--- a/Powerpoints/20532C-05_Designing Cloud Applications for Resiliency.pptx
+++ b/Powerpoints/20532C-05_Designing Cloud Applications for Resiliency.pptx
@@ -5,71 +5,73 @@
     <p:sldMasterId id="2147483660" r:id="rId1"/>
   </p:sldMasterIdLst>
   <p:notesMasterIdLst>
-    <p:notesMasterId r:id="rId33"/>
+    <p:notesMasterId r:id="rId35"/>
   </p:notesMasterIdLst>
   <p:sldIdLst>
     <p:sldId id="256" r:id="rId2"/>
-    <p:sldId id="257" r:id="rId3"/>
-    <p:sldId id="258" r:id="rId4"/>
-    <p:sldId id="259" r:id="rId5"/>
-    <p:sldId id="260" r:id="rId6"/>
-    <p:sldId id="261" r:id="rId7"/>
-    <p:sldId id="262" r:id="rId8"/>
-    <p:sldId id="263" r:id="rId9"/>
-    <p:sldId id="264" r:id="rId10"/>
-    <p:sldId id="265" r:id="rId11"/>
-    <p:sldId id="266" r:id="rId12"/>
-    <p:sldId id="267" r:id="rId13"/>
-    <p:sldId id="268" r:id="rId14"/>
-    <p:sldId id="269" r:id="rId15"/>
-    <p:sldId id="270" r:id="rId16"/>
-    <p:sldId id="271" r:id="rId17"/>
-    <p:sldId id="272" r:id="rId18"/>
-    <p:sldId id="273" r:id="rId19"/>
-    <p:sldId id="274" r:id="rId20"/>
-    <p:sldId id="275" r:id="rId21"/>
-    <p:sldId id="276" r:id="rId22"/>
-    <p:sldId id="277" r:id="rId23"/>
-    <p:sldId id="278" r:id="rId24"/>
-    <p:sldId id="279" r:id="rId25"/>
-    <p:sldId id="280" r:id="rId26"/>
-    <p:sldId id="281" r:id="rId27"/>
-    <p:sldId id="282" r:id="rId28"/>
-    <p:sldId id="283" r:id="rId29"/>
-    <p:sldId id="284" r:id="rId30"/>
-    <p:sldId id="285" r:id="rId31"/>
-    <p:sldId id="286" r:id="rId32"/>
+    <p:sldId id="287" r:id="rId3"/>
+    <p:sldId id="288" r:id="rId4"/>
+    <p:sldId id="257" r:id="rId5"/>
+    <p:sldId id="258" r:id="rId6"/>
+    <p:sldId id="259" r:id="rId7"/>
+    <p:sldId id="260" r:id="rId8"/>
+    <p:sldId id="261" r:id="rId9"/>
+    <p:sldId id="262" r:id="rId10"/>
+    <p:sldId id="263" r:id="rId11"/>
+    <p:sldId id="264" r:id="rId12"/>
+    <p:sldId id="265" r:id="rId13"/>
+    <p:sldId id="266" r:id="rId14"/>
+    <p:sldId id="267" r:id="rId15"/>
+    <p:sldId id="268" r:id="rId16"/>
+    <p:sldId id="269" r:id="rId17"/>
+    <p:sldId id="270" r:id="rId18"/>
+    <p:sldId id="271" r:id="rId19"/>
+    <p:sldId id="272" r:id="rId20"/>
+    <p:sldId id="273" r:id="rId21"/>
+    <p:sldId id="274" r:id="rId22"/>
+    <p:sldId id="275" r:id="rId23"/>
+    <p:sldId id="276" r:id="rId24"/>
+    <p:sldId id="277" r:id="rId25"/>
+    <p:sldId id="278" r:id="rId26"/>
+    <p:sldId id="279" r:id="rId27"/>
+    <p:sldId id="280" r:id="rId28"/>
+    <p:sldId id="281" r:id="rId29"/>
+    <p:sldId id="282" r:id="rId30"/>
+    <p:sldId id="283" r:id="rId31"/>
+    <p:sldId id="284" r:id="rId32"/>
+    <p:sldId id="285" r:id="rId33"/>
+    <p:sldId id="286" r:id="rId34"/>
   </p:sldIdLst>
   <p:sldSz cx="9144000" cy="6858000" type="screen4x3"/>
   <p:notesSz cx="6858000" cy="9144000"/>
   <p:embeddedFontLst>
     <p:embeddedFont>
-      <p:font typeface="Verdana" panose="020B0604030504040204" pitchFamily="34" charset="0"/>
-      <p:regular r:id="rId34"/>
-      <p:bold r:id="rId35"/>
-      <p:italic r:id="rId36"/>
-      <p:boldItalic r:id="rId37"/>
+      <p:font typeface="Calibri" panose="020F0502020204030204" pitchFamily="34" charset="0"/>
+      <p:regular r:id="rId36"/>
+      <p:bold r:id="rId37"/>
+      <p:italic r:id="rId38"/>
+      <p:boldItalic r:id="rId39"/>
+    </p:embeddedFont>
+    <p:embeddedFont>
+      <p:font typeface="Consolas" panose="020B0609020204030204" pitchFamily="49" charset="0"/>
+      <p:regular r:id="rId40"/>
+      <p:bold r:id="rId41"/>
+      <p:italic r:id="rId42"/>
+      <p:boldItalic r:id="rId43"/>
     </p:embeddedFont>
     <p:embeddedFont>
       <p:font typeface="Segoe UI" panose="020B0502040204020203" pitchFamily="34" charset="0"/>
-      <p:regular r:id="rId38"/>
-      <p:bold r:id="rId39"/>
-      <p:italic r:id="rId40"/>
-      <p:boldItalic r:id="rId41"/>
+      <p:regular r:id="rId44"/>
+      <p:bold r:id="rId45"/>
+      <p:italic r:id="rId46"/>
+      <p:boldItalic r:id="rId47"/>
     </p:embeddedFont>
     <p:embeddedFont>
-      <p:font typeface="Consolas" panose="020B0609020204030204" pitchFamily="49" charset="0"/>
-      <p:regular r:id="rId42"/>
-      <p:bold r:id="rId43"/>
-      <p:italic r:id="rId44"/>
-      <p:boldItalic r:id="rId45"/>
-    </p:embeddedFont>
-    <p:embeddedFont>
-      <p:font typeface="Calibri" panose="020F0502020204030204" pitchFamily="34" charset="0"/>
-      <p:regular r:id="rId46"/>
-      <p:bold r:id="rId47"/>
-      <p:italic r:id="rId48"/>
-      <p:boldItalic r:id="rId49"/>
+      <p:font typeface="Verdana" panose="020B0604030504040204" pitchFamily="34" charset="0"/>
+      <p:regular r:id="rId48"/>
+      <p:bold r:id="rId49"/>
+      <p:italic r:id="rId50"/>
+      <p:boldItalic r:id="rId51"/>
     </p:embeddedFont>
   </p:embeddedFontLst>
   <p:defaultTextStyle>
@@ -197,6 +199,11 @@
       </a:defRPr>
     </a:lvl9pPr>
   </p:defaultTextStyle>
+  <p:extLst>
+    <p:ext uri="{EFAFB233-063F-42B5-8137-9DF3F51BA10A}">
+      <p15:sldGuideLst xmlns:p15="http://schemas.microsoft.com/office/powerpoint/2012/main"/>
+    </p:ext>
+  </p:extLst>
 </p:presentation>
 </file>
 
@@ -2088,17 +2095,17 @@
     </dgm:pt>
   </dgm:ptLst>
   <dgm:cxnLst>
+    <dgm:cxn modelId="{A48BEF05-69D7-44CB-8DF1-B87EC9F1FB9F}" srcId="{49F34504-B285-4D92-BE8D-7ADA3933D2AB}" destId="{A8230F58-2814-4FB2-9387-F06C5E65CA3A}" srcOrd="0" destOrd="0" parTransId="{687A7D3B-7759-4132-9A7C-A0D9EB329AAC}" sibTransId="{45AA35CE-62ED-4500-ABC6-25C8622793EF}"/>
+    <dgm:cxn modelId="{AFC53A5F-8C56-4F3B-A438-C2798CED89A8}" type="presOf" srcId="{702BA4E8-C434-48B5-86B3-BD1B203A05B7}" destId="{E97F4BC7-3BE5-4B01-B455-44CF3773F5C9}" srcOrd="0" destOrd="0" presId="urn:microsoft.com/office/officeart/2005/8/layout/lProcess2"/>
+    <dgm:cxn modelId="{7FA4A541-21D4-4D1F-ADB0-E7415B188B29}" type="presOf" srcId="{49F34504-B285-4D92-BE8D-7ADA3933D2AB}" destId="{D2937961-514F-4956-B85D-135B9B0DD9C2}" srcOrd="0" destOrd="0" presId="urn:microsoft.com/office/officeart/2005/8/layout/lProcess2"/>
+    <dgm:cxn modelId="{D89B2578-9E82-45EC-8010-0BBE6E6CAB61}" type="presOf" srcId="{A8230F58-2814-4FB2-9387-F06C5E65CA3A}" destId="{1B685A82-DFC5-44D0-A7C8-9B7AA275D585}" srcOrd="1" destOrd="0" presId="urn:microsoft.com/office/officeart/2005/8/layout/lProcess2"/>
+    <dgm:cxn modelId="{42C8F77E-D3AE-4EB0-9A0D-A07B980415F4}" type="presOf" srcId="{C2B121FD-5925-4A6A-886B-37E8A29DAE77}" destId="{000869B6-9A75-4B62-B7E5-12EA84DF2581}" srcOrd="0" destOrd="0" presId="urn:microsoft.com/office/officeart/2005/8/layout/lProcess2"/>
+    <dgm:cxn modelId="{E08020A1-6CF9-41E3-B8BB-86A349B894DA}" type="presOf" srcId="{C92FECE8-202A-4A8A-A1C8-C6DC1A78CBC9}" destId="{4C128277-08E1-4577-B003-CF36343CFD3D}" srcOrd="0" destOrd="0" presId="urn:microsoft.com/office/officeart/2005/8/layout/lProcess2"/>
+    <dgm:cxn modelId="{EE94B0A9-B44A-496C-88FB-C459A7860CE8}" type="presOf" srcId="{A8230F58-2814-4FB2-9387-F06C5E65CA3A}" destId="{50CF5FAC-9B62-4EC8-A47C-B17580E6640A}" srcOrd="0" destOrd="0" presId="urn:microsoft.com/office/officeart/2005/8/layout/lProcess2"/>
+    <dgm:cxn modelId="{51961EB8-5DB4-4847-9427-C7AD7454D728}" srcId="{A8230F58-2814-4FB2-9387-F06C5E65CA3A}" destId="{C92FECE8-202A-4A8A-A1C8-C6DC1A78CBC9}" srcOrd="2" destOrd="0" parTransId="{0066C015-6F03-4E35-ABC5-F69F4829C44A}" sibTransId="{19791533-0136-4BB1-91BA-BD7571ED12C3}"/>
+    <dgm:cxn modelId="{B3C660D7-8D13-4E39-904A-78BCC1E9AFDC}" srcId="{A8230F58-2814-4FB2-9387-F06C5E65CA3A}" destId="{702BA4E8-C434-48B5-86B3-BD1B203A05B7}" srcOrd="1" destOrd="0" parTransId="{AE91AF59-6038-403D-88FE-924E5FB6968A}" sibTransId="{B70D51D5-6212-49CC-9405-FF610C3CB2FD}"/>
+    <dgm:cxn modelId="{83C262D7-852B-411E-B64E-7E29F6085DA6}" type="presOf" srcId="{4A059350-53B9-4490-9E35-A69665708037}" destId="{373222CA-7BDE-4870-A401-8DE2F2622C7A}" srcOrd="0" destOrd="0" presId="urn:microsoft.com/office/officeart/2005/8/layout/lProcess2"/>
     <dgm:cxn modelId="{D610E9E0-969D-46A1-AD4F-72274A107A32}" srcId="{A8230F58-2814-4FB2-9387-F06C5E65CA3A}" destId="{C2B121FD-5925-4A6A-886B-37E8A29DAE77}" srcOrd="0" destOrd="0" parTransId="{75FED7A1-7B0F-455A-9074-54B14782B718}" sibTransId="{A04B2D4F-BD00-4AA8-907B-2EB65FCB0A10}"/>
-    <dgm:cxn modelId="{83C262D7-852B-411E-B64E-7E29F6085DA6}" type="presOf" srcId="{4A059350-53B9-4490-9E35-A69665708037}" destId="{373222CA-7BDE-4870-A401-8DE2F2622C7A}" srcOrd="0" destOrd="0" presId="urn:microsoft.com/office/officeart/2005/8/layout/lProcess2"/>
-    <dgm:cxn modelId="{EE94B0A9-B44A-496C-88FB-C459A7860CE8}" type="presOf" srcId="{A8230F58-2814-4FB2-9387-F06C5E65CA3A}" destId="{50CF5FAC-9B62-4EC8-A47C-B17580E6640A}" srcOrd="0" destOrd="0" presId="urn:microsoft.com/office/officeart/2005/8/layout/lProcess2"/>
-    <dgm:cxn modelId="{AFC53A5F-8C56-4F3B-A438-C2798CED89A8}" type="presOf" srcId="{702BA4E8-C434-48B5-86B3-BD1B203A05B7}" destId="{E97F4BC7-3BE5-4B01-B455-44CF3773F5C9}" srcOrd="0" destOrd="0" presId="urn:microsoft.com/office/officeart/2005/8/layout/lProcess2"/>
-    <dgm:cxn modelId="{D89B2578-9E82-45EC-8010-0BBE6E6CAB61}" type="presOf" srcId="{A8230F58-2814-4FB2-9387-F06C5E65CA3A}" destId="{1B685A82-DFC5-44D0-A7C8-9B7AA275D585}" srcOrd="1" destOrd="0" presId="urn:microsoft.com/office/officeart/2005/8/layout/lProcess2"/>
-    <dgm:cxn modelId="{A48BEF05-69D7-44CB-8DF1-B87EC9F1FB9F}" srcId="{49F34504-B285-4D92-BE8D-7ADA3933D2AB}" destId="{A8230F58-2814-4FB2-9387-F06C5E65CA3A}" srcOrd="0" destOrd="0" parTransId="{687A7D3B-7759-4132-9A7C-A0D9EB329AAC}" sibTransId="{45AA35CE-62ED-4500-ABC6-25C8622793EF}"/>
-    <dgm:cxn modelId="{7FA4A541-21D4-4D1F-ADB0-E7415B188B29}" type="presOf" srcId="{49F34504-B285-4D92-BE8D-7ADA3933D2AB}" destId="{D2937961-514F-4956-B85D-135B9B0DD9C2}" srcOrd="0" destOrd="0" presId="urn:microsoft.com/office/officeart/2005/8/layout/lProcess2"/>
-    <dgm:cxn modelId="{E08020A1-6CF9-41E3-B8BB-86A349B894DA}" type="presOf" srcId="{C92FECE8-202A-4A8A-A1C8-C6DC1A78CBC9}" destId="{4C128277-08E1-4577-B003-CF36343CFD3D}" srcOrd="0" destOrd="0" presId="urn:microsoft.com/office/officeart/2005/8/layout/lProcess2"/>
-    <dgm:cxn modelId="{B3C660D7-8D13-4E39-904A-78BCC1E9AFDC}" srcId="{A8230F58-2814-4FB2-9387-F06C5E65CA3A}" destId="{702BA4E8-C434-48B5-86B3-BD1B203A05B7}" srcOrd="1" destOrd="0" parTransId="{AE91AF59-6038-403D-88FE-924E5FB6968A}" sibTransId="{B70D51D5-6212-49CC-9405-FF610C3CB2FD}"/>
-    <dgm:cxn modelId="{51961EB8-5DB4-4847-9427-C7AD7454D728}" srcId="{A8230F58-2814-4FB2-9387-F06C5E65CA3A}" destId="{C92FECE8-202A-4A8A-A1C8-C6DC1A78CBC9}" srcOrd="2" destOrd="0" parTransId="{0066C015-6F03-4E35-ABC5-F69F4829C44A}" sibTransId="{19791533-0136-4BB1-91BA-BD7571ED12C3}"/>
-    <dgm:cxn modelId="{42C8F77E-D3AE-4EB0-9A0D-A07B980415F4}" type="presOf" srcId="{C2B121FD-5925-4A6A-886B-37E8A29DAE77}" destId="{000869B6-9A75-4B62-B7E5-12EA84DF2581}" srcOrd="0" destOrd="0" presId="urn:microsoft.com/office/officeart/2005/8/layout/lProcess2"/>
     <dgm:cxn modelId="{555D20F0-2D7D-4097-AD82-A0199D55A601}" srcId="{A8230F58-2814-4FB2-9387-F06C5E65CA3A}" destId="{4A059350-53B9-4490-9E35-A69665708037}" srcOrd="3" destOrd="0" parTransId="{6D498711-2071-4466-BDE4-6E7F46C83EAF}" sibTransId="{3C9C2FB5-B21B-429F-A083-AC5912E7761F}"/>
     <dgm:cxn modelId="{9BF615BD-6D90-4A5A-A2FA-FBD308F0CD24}" type="presParOf" srcId="{D2937961-514F-4956-B85D-135B9B0DD9C2}" destId="{EEBB9B31-1F13-4643-841B-BC284F98DB2C}" srcOrd="0" destOrd="0" presId="urn:microsoft.com/office/officeart/2005/8/layout/lProcess2"/>
     <dgm:cxn modelId="{B387E77F-F43A-4080-8AD5-0EE29777018E}" type="presParOf" srcId="{EEBB9B31-1F13-4643-841B-BC284F98DB2C}" destId="{50CF5FAC-9B62-4EC8-A47C-B17580E6640A}" srcOrd="0" destOrd="0" presId="urn:microsoft.com/office/officeart/2005/8/layout/lProcess2"/>
@@ -2561,27 +2568,27 @@
     </dgm:pt>
   </dgm:ptLst>
   <dgm:cxnLst>
+    <dgm:cxn modelId="{A48BEF05-69D7-44CB-8DF1-B87EC9F1FB9F}" srcId="{49F34504-B285-4D92-BE8D-7ADA3933D2AB}" destId="{A8230F58-2814-4FB2-9387-F06C5E65CA3A}" srcOrd="0" destOrd="0" parTransId="{687A7D3B-7759-4132-9A7C-A0D9EB329AAC}" sibTransId="{45AA35CE-62ED-4500-ABC6-25C8622793EF}"/>
+    <dgm:cxn modelId="{5E008C13-7E48-4D8D-8C46-83936493F529}" type="presOf" srcId="{0981123A-C2F7-4EC2-A63D-9C40DE85F8AF}" destId="{A6B058A1-B348-4D97-8838-869960547A0B}" srcOrd="0" destOrd="0" presId="urn:microsoft.com/office/officeart/2005/8/layout/lProcess2"/>
+    <dgm:cxn modelId="{836F461D-8520-4AD0-8A8C-3CDCE68FF3EC}" type="presOf" srcId="{458B3756-F40A-4DAD-BFE4-1C3EAB08DBE3}" destId="{8D99834F-9AC7-406F-8310-93F9E554DAB6}" srcOrd="0" destOrd="0" presId="urn:microsoft.com/office/officeart/2005/8/layout/lProcess2"/>
+    <dgm:cxn modelId="{942EC51D-ABF9-46B6-AC0A-AF6F10659449}" type="presOf" srcId="{0981123A-C2F7-4EC2-A63D-9C40DE85F8AF}" destId="{14A25752-E837-4C05-A264-CCDFE8FF3C14}" srcOrd="1" destOrd="0" presId="urn:microsoft.com/office/officeart/2005/8/layout/lProcess2"/>
+    <dgm:cxn modelId="{3B949426-DE64-4AA2-B4AF-CCE3893B6B65}" type="presOf" srcId="{C2B121FD-5925-4A6A-886B-37E8A29DAE77}" destId="{000869B6-9A75-4B62-B7E5-12EA84DF2581}" srcOrd="0" destOrd="0" presId="urn:microsoft.com/office/officeart/2005/8/layout/lProcess2"/>
     <dgm:cxn modelId="{5E6C395C-52F4-4996-9C2A-736F902BE61E}" type="presOf" srcId="{0CADC331-CC51-4EAB-8531-B3BFEBB887A3}" destId="{F8CB1F32-AE7B-44B4-B9D5-BB0EFC31265F}" srcOrd="0" destOrd="0" presId="urn:microsoft.com/office/officeart/2005/8/layout/lProcess2"/>
     <dgm:cxn modelId="{B664616E-1044-4340-90A2-4D1A6D47D9D7}" srcId="{49F34504-B285-4D92-BE8D-7ADA3933D2AB}" destId="{0CADC331-CC51-4EAB-8531-B3BFEBB887A3}" srcOrd="2" destOrd="0" parTransId="{3C67C41A-495B-4B8A-827A-F356A7DF71A4}" sibTransId="{900D92CD-79EC-4911-BBB7-FA3D23A16B7E}"/>
+    <dgm:cxn modelId="{70A1797A-64FB-4158-9D28-0A4C73FF696B}" type="presOf" srcId="{A8230F58-2814-4FB2-9387-F06C5E65CA3A}" destId="{50CF5FAC-9B62-4EC8-A47C-B17580E6640A}" srcOrd="0" destOrd="0" presId="urn:microsoft.com/office/officeart/2005/8/layout/lProcess2"/>
+    <dgm:cxn modelId="{2E1BDA82-637B-435B-870F-D52736621277}" type="presOf" srcId="{A8230F58-2814-4FB2-9387-F06C5E65CA3A}" destId="{1B685A82-DFC5-44D0-A7C8-9B7AA275D585}" srcOrd="1" destOrd="0" presId="urn:microsoft.com/office/officeart/2005/8/layout/lProcess2"/>
+    <dgm:cxn modelId="{5D56AA8D-F00B-417A-83DD-77D17B853EC6}" srcId="{0CADC331-CC51-4EAB-8531-B3BFEBB887A3}" destId="{D3213AED-B976-4CA9-A38E-4F890216CC1E}" srcOrd="0" destOrd="0" parTransId="{97F5A321-2646-4FD0-8885-3AE500A5FBF6}" sibTransId="{7AB5BB5D-0963-447F-80A4-CFC3E5972BC3}"/>
+    <dgm:cxn modelId="{290C2DA2-8D5E-49EE-945D-CB81095B0635}" type="presOf" srcId="{2D3AC908-F500-4461-88AB-837D049782B1}" destId="{9226AF90-7492-4DCB-BAD4-7C6CF5D7B2C4}" srcOrd="0" destOrd="0" presId="urn:microsoft.com/office/officeart/2005/8/layout/lProcess2"/>
     <dgm:cxn modelId="{5988C2A3-EC43-467C-9791-8B7F67D2D373}" type="presOf" srcId="{49F34504-B285-4D92-BE8D-7ADA3933D2AB}" destId="{D2937961-514F-4956-B85D-135B9B0DD9C2}" srcOrd="0" destOrd="0" presId="urn:microsoft.com/office/officeart/2005/8/layout/lProcess2"/>
-    <dgm:cxn modelId="{70A1797A-64FB-4158-9D28-0A4C73FF696B}" type="presOf" srcId="{A8230F58-2814-4FB2-9387-F06C5E65CA3A}" destId="{50CF5FAC-9B62-4EC8-A47C-B17580E6640A}" srcOrd="0" destOrd="0" presId="urn:microsoft.com/office/officeart/2005/8/layout/lProcess2"/>
+    <dgm:cxn modelId="{DB6EBCAF-DB40-4718-80EB-A1EB69509477}" srcId="{0981123A-C2F7-4EC2-A63D-9C40DE85F8AF}" destId="{2D3AC908-F500-4461-88AB-837D049782B1}" srcOrd="0" destOrd="0" parTransId="{D372F045-F743-4FE3-9144-87F90956DE02}" sibTransId="{15348F17-7B2F-47F8-B8D2-1EA880B73238}"/>
+    <dgm:cxn modelId="{E3F6A9B7-18EC-45CF-9935-8E24E13ADA74}" type="presOf" srcId="{8C6F7F89-7B35-454B-82F8-D0B105F30014}" destId="{B5AA5101-88C3-4DE7-93CC-B09F704DE4FE}" srcOrd="1" destOrd="0" presId="urn:microsoft.com/office/officeart/2005/8/layout/lProcess2"/>
     <dgm:cxn modelId="{907486BD-3F43-4BBE-84A9-36239D32CEEA}" type="presOf" srcId="{0CADC331-CC51-4EAB-8531-B3BFEBB887A3}" destId="{672346DA-A384-40EC-892E-CF1396D8B72E}" srcOrd="1" destOrd="0" presId="urn:microsoft.com/office/officeart/2005/8/layout/lProcess2"/>
+    <dgm:cxn modelId="{7A1446CB-202B-4D0F-A3CB-115B230AE74E}" type="presOf" srcId="{D3213AED-B976-4CA9-A38E-4F890216CC1E}" destId="{ADBF0779-4EDC-4AF8-A61C-1A77D51F29D7}" srcOrd="0" destOrd="0" presId="urn:microsoft.com/office/officeart/2005/8/layout/lProcess2"/>
+    <dgm:cxn modelId="{9BCFDECE-23EA-4A0B-B961-A5108B064707}" type="presOf" srcId="{8C6F7F89-7B35-454B-82F8-D0B105F30014}" destId="{35065E56-97B3-4069-9C14-BFAC8108F135}" srcOrd="0" destOrd="0" presId="urn:microsoft.com/office/officeart/2005/8/layout/lProcess2"/>
+    <dgm:cxn modelId="{1148E7D6-57BF-4CFC-8C6D-D1203C3F9CD9}" srcId="{49F34504-B285-4D92-BE8D-7ADA3933D2AB}" destId="{8C6F7F89-7B35-454B-82F8-D0B105F30014}" srcOrd="3" destOrd="0" parTransId="{D1895EBB-371F-4BF8-BA6E-A3F6965E9987}" sibTransId="{3D7A8711-1916-423B-85D4-296D6737DE00}"/>
+    <dgm:cxn modelId="{D610E9E0-969D-46A1-AD4F-72274A107A32}" srcId="{A8230F58-2814-4FB2-9387-F06C5E65CA3A}" destId="{C2B121FD-5925-4A6A-886B-37E8A29DAE77}" srcOrd="0" destOrd="0" parTransId="{75FED7A1-7B0F-455A-9074-54B14782B718}" sibTransId="{A04B2D4F-BD00-4AA8-907B-2EB65FCB0A10}"/>
+    <dgm:cxn modelId="{71783FE2-E043-4926-BEB0-152602C59178}" srcId="{8C6F7F89-7B35-454B-82F8-D0B105F30014}" destId="{458B3756-F40A-4DAD-BFE4-1C3EAB08DBE3}" srcOrd="0" destOrd="0" parTransId="{6085FBA6-012B-4080-B930-BB7552BB8CCF}" sibTransId="{EA157191-8E31-4E27-AA23-0785E5358228}"/>
     <dgm:cxn modelId="{AF854BEE-24CE-42DA-8E8A-32000A256AF8}" srcId="{49F34504-B285-4D92-BE8D-7ADA3933D2AB}" destId="{0981123A-C2F7-4EC2-A63D-9C40DE85F8AF}" srcOrd="1" destOrd="0" parTransId="{92715C95-2F96-4D58-8458-6A35EA223228}" sibTransId="{60A5A54A-4FF5-4A14-A1C6-916011654709}"/>
-    <dgm:cxn modelId="{836F461D-8520-4AD0-8A8C-3CDCE68FF3EC}" type="presOf" srcId="{458B3756-F40A-4DAD-BFE4-1C3EAB08DBE3}" destId="{8D99834F-9AC7-406F-8310-93F9E554DAB6}" srcOrd="0" destOrd="0" presId="urn:microsoft.com/office/officeart/2005/8/layout/lProcess2"/>
-    <dgm:cxn modelId="{290C2DA2-8D5E-49EE-945D-CB81095B0635}" type="presOf" srcId="{2D3AC908-F500-4461-88AB-837D049782B1}" destId="{9226AF90-7492-4DCB-BAD4-7C6CF5D7B2C4}" srcOrd="0" destOrd="0" presId="urn:microsoft.com/office/officeart/2005/8/layout/lProcess2"/>
-    <dgm:cxn modelId="{5D56AA8D-F00B-417A-83DD-77D17B853EC6}" srcId="{0CADC331-CC51-4EAB-8531-B3BFEBB887A3}" destId="{D3213AED-B976-4CA9-A38E-4F890216CC1E}" srcOrd="0" destOrd="0" parTransId="{97F5A321-2646-4FD0-8885-3AE500A5FBF6}" sibTransId="{7AB5BB5D-0963-447F-80A4-CFC3E5972BC3}"/>
-    <dgm:cxn modelId="{942EC51D-ABF9-46B6-AC0A-AF6F10659449}" type="presOf" srcId="{0981123A-C2F7-4EC2-A63D-9C40DE85F8AF}" destId="{14A25752-E837-4C05-A264-CCDFE8FF3C14}" srcOrd="1" destOrd="0" presId="urn:microsoft.com/office/officeart/2005/8/layout/lProcess2"/>
-    <dgm:cxn modelId="{2E1BDA82-637B-435B-870F-D52736621277}" type="presOf" srcId="{A8230F58-2814-4FB2-9387-F06C5E65CA3A}" destId="{1B685A82-DFC5-44D0-A7C8-9B7AA275D585}" srcOrd="1" destOrd="0" presId="urn:microsoft.com/office/officeart/2005/8/layout/lProcess2"/>
-    <dgm:cxn modelId="{3B949426-DE64-4AA2-B4AF-CCE3893B6B65}" type="presOf" srcId="{C2B121FD-5925-4A6A-886B-37E8A29DAE77}" destId="{000869B6-9A75-4B62-B7E5-12EA84DF2581}" srcOrd="0" destOrd="0" presId="urn:microsoft.com/office/officeart/2005/8/layout/lProcess2"/>
-    <dgm:cxn modelId="{A48BEF05-69D7-44CB-8DF1-B87EC9F1FB9F}" srcId="{49F34504-B285-4D92-BE8D-7ADA3933D2AB}" destId="{A8230F58-2814-4FB2-9387-F06C5E65CA3A}" srcOrd="0" destOrd="0" parTransId="{687A7D3B-7759-4132-9A7C-A0D9EB329AAC}" sibTransId="{45AA35CE-62ED-4500-ABC6-25C8622793EF}"/>
-    <dgm:cxn modelId="{71783FE2-E043-4926-BEB0-152602C59178}" srcId="{8C6F7F89-7B35-454B-82F8-D0B105F30014}" destId="{458B3756-F40A-4DAD-BFE4-1C3EAB08DBE3}" srcOrd="0" destOrd="0" parTransId="{6085FBA6-012B-4080-B930-BB7552BB8CCF}" sibTransId="{EA157191-8E31-4E27-AA23-0785E5358228}"/>
-    <dgm:cxn modelId="{9BCFDECE-23EA-4A0B-B961-A5108B064707}" type="presOf" srcId="{8C6F7F89-7B35-454B-82F8-D0B105F30014}" destId="{35065E56-97B3-4069-9C14-BFAC8108F135}" srcOrd="0" destOrd="0" presId="urn:microsoft.com/office/officeart/2005/8/layout/lProcess2"/>
-    <dgm:cxn modelId="{D610E9E0-969D-46A1-AD4F-72274A107A32}" srcId="{A8230F58-2814-4FB2-9387-F06C5E65CA3A}" destId="{C2B121FD-5925-4A6A-886B-37E8A29DAE77}" srcOrd="0" destOrd="0" parTransId="{75FED7A1-7B0F-455A-9074-54B14782B718}" sibTransId="{A04B2D4F-BD00-4AA8-907B-2EB65FCB0A10}"/>
-    <dgm:cxn modelId="{7A1446CB-202B-4D0F-A3CB-115B230AE74E}" type="presOf" srcId="{D3213AED-B976-4CA9-A38E-4F890216CC1E}" destId="{ADBF0779-4EDC-4AF8-A61C-1A77D51F29D7}" srcOrd="0" destOrd="0" presId="urn:microsoft.com/office/officeart/2005/8/layout/lProcess2"/>
-    <dgm:cxn modelId="{E3F6A9B7-18EC-45CF-9935-8E24E13ADA74}" type="presOf" srcId="{8C6F7F89-7B35-454B-82F8-D0B105F30014}" destId="{B5AA5101-88C3-4DE7-93CC-B09F704DE4FE}" srcOrd="1" destOrd="0" presId="urn:microsoft.com/office/officeart/2005/8/layout/lProcess2"/>
-    <dgm:cxn modelId="{5E008C13-7E48-4D8D-8C46-83936493F529}" type="presOf" srcId="{0981123A-C2F7-4EC2-A63D-9C40DE85F8AF}" destId="{A6B058A1-B348-4D97-8838-869960547A0B}" srcOrd="0" destOrd="0" presId="urn:microsoft.com/office/officeart/2005/8/layout/lProcess2"/>
-    <dgm:cxn modelId="{1148E7D6-57BF-4CFC-8C6D-D1203C3F9CD9}" srcId="{49F34504-B285-4D92-BE8D-7ADA3933D2AB}" destId="{8C6F7F89-7B35-454B-82F8-D0B105F30014}" srcOrd="3" destOrd="0" parTransId="{D1895EBB-371F-4BF8-BA6E-A3F6965E9987}" sibTransId="{3D7A8711-1916-423B-85D4-296D6737DE00}"/>
-    <dgm:cxn modelId="{DB6EBCAF-DB40-4718-80EB-A1EB69509477}" srcId="{0981123A-C2F7-4EC2-A63D-9C40DE85F8AF}" destId="{2D3AC908-F500-4461-88AB-837D049782B1}" srcOrd="0" destOrd="0" parTransId="{D372F045-F743-4FE3-9144-87F90956DE02}" sibTransId="{15348F17-7B2F-47F8-B8D2-1EA880B73238}"/>
     <dgm:cxn modelId="{4CFCA304-F6EB-4368-8416-76B9F4B1ADD3}" type="presParOf" srcId="{D2937961-514F-4956-B85D-135B9B0DD9C2}" destId="{EEBB9B31-1F13-4643-841B-BC284F98DB2C}" srcOrd="0" destOrd="0" presId="urn:microsoft.com/office/officeart/2005/8/layout/lProcess2"/>
     <dgm:cxn modelId="{711AC924-7D67-4765-81C3-192F1E46E973}" type="presParOf" srcId="{EEBB9B31-1F13-4643-841B-BC284F98DB2C}" destId="{50CF5FAC-9B62-4EC8-A47C-B17580E6640A}" srcOrd="0" destOrd="0" presId="urn:microsoft.com/office/officeart/2005/8/layout/lProcess2"/>
     <dgm:cxn modelId="{403D3F9F-4148-460C-8EB4-BE874E69A81A}" type="presParOf" srcId="{EEBB9B31-1F13-4643-841B-BC284F98DB2C}" destId="{1B685A82-DFC5-44D0-A7C8-9B7AA275D585}" srcOrd="1" destOrd="0" presId="urn:microsoft.com/office/officeart/2005/8/layout/lProcess2"/>
@@ -6242,7 +6249,7 @@
           <a:p>
             <a:fld id="{0F2FD22E-E48A-4370-87FC-EF058DDD194A}" type="datetimeFigureOut">
               <a:rPr lang="en-US" smtClean="0"/>
-              <a:t>8/12/2016</a:t>
+              <a:t>4/24/2018</a:t>
             </a:fld>
             <a:endParaRPr lang="en-US"/>
           </a:p>
@@ -6400,7 +6407,7 @@
           <a:p>
             <a:fld id="{39C3B0AD-24BE-4436-965C-094A8916EFA5}" type="slidenum">
               <a:rPr lang="en-US" smtClean="0"/>
-              <a:t>‹#›</a:t>
+              <a:t>‹nr.›</a:t>
             </a:fld>
             <a:endParaRPr lang="en-US"/>
           </a:p>
@@ -6860,7 +6867,7 @@
           <a:p>
             <a:fld id="{39C3B0AD-24BE-4436-965C-094A8916EFA5}" type="slidenum">
               <a:rPr lang="en-US" smtClean="0"/>
-              <a:t>10</a:t>
+              <a:t>12</a:t>
             </a:fld>
             <a:endParaRPr lang="en-US"/>
           </a:p>
@@ -7119,7 +7126,7 @@
           <a:p>
             <a:fld id="{39C3B0AD-24BE-4436-965C-094A8916EFA5}" type="slidenum">
               <a:rPr lang="en-US" smtClean="0"/>
-              <a:t>11</a:t>
+              <a:t>13</a:t>
             </a:fld>
             <a:endParaRPr lang="en-US"/>
           </a:p>
@@ -7365,7 +7372,7 @@
           <a:p>
             <a:fld id="{39C3B0AD-24BE-4436-965C-094A8916EFA5}" type="slidenum">
               <a:rPr lang="en-US" smtClean="0"/>
-              <a:t>12</a:t>
+              <a:t>14</a:t>
             </a:fld>
             <a:endParaRPr lang="en-US"/>
           </a:p>
@@ -7624,7 +7631,7 @@
           <a:p>
             <a:fld id="{39C3B0AD-24BE-4436-965C-094A8916EFA5}" type="slidenum">
               <a:rPr lang="en-US" smtClean="0"/>
-              <a:t>13</a:t>
+              <a:t>15</a:t>
             </a:fld>
             <a:endParaRPr lang="en-US"/>
           </a:p>
@@ -7820,8 +7827,8 @@
         </p:nvSpPr>
         <p:spPr>
           <a:xfrm>
-            <a:off x="4325112" y="73152"/>
-            <a:ext cx="2468880" cy="1851660"/>
+            <a:off x="4325938" y="73025"/>
+            <a:ext cx="2466975" cy="1851025"/>
           </a:xfrm>
         </p:spPr>
       </p:sp>
@@ -7883,7 +7890,7 @@
           <a:p>
             <a:fld id="{39C3B0AD-24BE-4436-965C-094A8916EFA5}" type="slidenum">
               <a:rPr lang="en-US" smtClean="0"/>
-              <a:t>14</a:t>
+              <a:t>16</a:t>
             </a:fld>
             <a:endParaRPr lang="en-US"/>
           </a:p>
@@ -8142,7 +8149,7 @@
           <a:p>
             <a:fld id="{39C3B0AD-24BE-4436-965C-094A8916EFA5}" type="slidenum">
               <a:rPr lang="en-US" smtClean="0"/>
-              <a:t>15</a:t>
+              <a:t>17</a:t>
             </a:fld>
             <a:endParaRPr lang="en-US"/>
           </a:p>
@@ -8401,7 +8408,7 @@
           <a:p>
             <a:fld id="{39C3B0AD-24BE-4436-965C-094A8916EFA5}" type="slidenum">
               <a:rPr lang="en-US" smtClean="0"/>
-              <a:t>16</a:t>
+              <a:t>18</a:t>
             </a:fld>
             <a:endParaRPr lang="en-US"/>
           </a:p>
@@ -8660,7 +8667,7 @@
           <a:p>
             <a:fld id="{39C3B0AD-24BE-4436-965C-094A8916EFA5}" type="slidenum">
               <a:rPr lang="en-US" smtClean="0"/>
-              <a:t>17</a:t>
+              <a:t>19</a:t>
             </a:fld>
             <a:endParaRPr lang="en-US"/>
           </a:p>
@@ -8919,7 +8926,7 @@
           <a:p>
             <a:fld id="{39C3B0AD-24BE-4436-965C-094A8916EFA5}" type="slidenum">
               <a:rPr lang="en-US" smtClean="0"/>
-              <a:t>18</a:t>
+              <a:t>20</a:t>
             </a:fld>
             <a:endParaRPr lang="en-US"/>
           </a:p>
@@ -9178,7 +9185,7 @@
           <a:p>
             <a:fld id="{39C3B0AD-24BE-4436-965C-094A8916EFA5}" type="slidenum">
               <a:rPr lang="en-US" smtClean="0"/>
-              <a:t>19</a:t>
+              <a:t>21</a:t>
             </a:fld>
             <a:endParaRPr lang="en-US"/>
           </a:p>
@@ -9437,7 +9444,7 @@
           <a:p>
             <a:fld id="{39C3B0AD-24BE-4436-965C-094A8916EFA5}" type="slidenum">
               <a:rPr lang="en-US" smtClean="0"/>
-              <a:t>2</a:t>
+              <a:t>4</a:t>
             </a:fld>
             <a:endParaRPr lang="en-US"/>
           </a:p>
@@ -9722,7 +9729,7 @@
           <a:p>
             <a:fld id="{39C3B0AD-24BE-4436-965C-094A8916EFA5}" type="slidenum">
               <a:rPr lang="en-US" smtClean="0"/>
-              <a:t>20</a:t>
+              <a:t>22</a:t>
             </a:fld>
             <a:endParaRPr lang="en-US"/>
           </a:p>
@@ -9981,7 +9988,7 @@
           <a:p>
             <a:fld id="{39C3B0AD-24BE-4436-965C-094A8916EFA5}" type="slidenum">
               <a:rPr lang="en-US" smtClean="0"/>
-              <a:t>21</a:t>
+              <a:t>23</a:t>
             </a:fld>
             <a:endParaRPr lang="en-US"/>
           </a:p>
@@ -10240,7 +10247,7 @@
           <a:p>
             <a:fld id="{39C3B0AD-24BE-4436-965C-094A8916EFA5}" type="slidenum">
               <a:rPr lang="en-US" smtClean="0"/>
-              <a:t>22</a:t>
+              <a:t>24</a:t>
             </a:fld>
             <a:endParaRPr lang="en-US"/>
           </a:p>
@@ -10499,7 +10506,7 @@
           <a:p>
             <a:fld id="{39C3B0AD-24BE-4436-965C-094A8916EFA5}" type="slidenum">
               <a:rPr lang="en-US" smtClean="0"/>
-              <a:t>23</a:t>
+              <a:t>25</a:t>
             </a:fld>
             <a:endParaRPr lang="en-US"/>
           </a:p>
@@ -10758,7 +10765,7 @@
           <a:p>
             <a:fld id="{39C3B0AD-24BE-4436-965C-094A8916EFA5}" type="slidenum">
               <a:rPr lang="en-US" smtClean="0"/>
-              <a:t>24</a:t>
+              <a:t>26</a:t>
             </a:fld>
             <a:endParaRPr lang="en-US"/>
           </a:p>
@@ -11049,7 +11056,7 @@
           <a:p>
             <a:fld id="{39C3B0AD-24BE-4436-965C-094A8916EFA5}" type="slidenum">
               <a:rPr lang="en-US" smtClean="0"/>
-              <a:t>25</a:t>
+              <a:t>27</a:t>
             </a:fld>
             <a:endParaRPr lang="en-US"/>
           </a:p>
@@ -11308,7 +11315,7 @@
           <a:p>
             <a:fld id="{39C3B0AD-24BE-4436-965C-094A8916EFA5}" type="slidenum">
               <a:rPr lang="en-US" smtClean="0"/>
-              <a:t>26</a:t>
+              <a:t>28</a:t>
             </a:fld>
             <a:endParaRPr lang="en-US"/>
           </a:p>
@@ -11599,7 +11606,7 @@
           <a:p>
             <a:fld id="{39C3B0AD-24BE-4436-965C-094A8916EFA5}" type="slidenum">
               <a:rPr lang="en-US" smtClean="0"/>
-              <a:t>27</a:t>
+              <a:t>29</a:t>
             </a:fld>
             <a:endParaRPr lang="en-US"/>
           </a:p>
@@ -11866,7 +11873,7 @@
           <a:p>
             <a:fld id="{39C3B0AD-24BE-4436-965C-094A8916EFA5}" type="slidenum">
               <a:rPr lang="en-US" smtClean="0"/>
-              <a:t>28</a:t>
+              <a:t>30</a:t>
             </a:fld>
             <a:endParaRPr lang="en-US"/>
           </a:p>
@@ -12125,7 +12132,7 @@
           <a:p>
             <a:fld id="{39C3B0AD-24BE-4436-965C-094A8916EFA5}" type="slidenum">
               <a:rPr lang="en-US" smtClean="0"/>
-              <a:t>29</a:t>
+              <a:t>31</a:t>
             </a:fld>
             <a:endParaRPr lang="en-US"/>
           </a:p>
@@ -12384,7 +12391,7 @@
           <a:p>
             <a:fld id="{39C3B0AD-24BE-4436-965C-094A8916EFA5}" type="slidenum">
               <a:rPr lang="en-US" smtClean="0"/>
-              <a:t>3</a:t>
+              <a:t>5</a:t>
             </a:fld>
             <a:endParaRPr lang="en-US"/>
           </a:p>
@@ -12693,7 +12700,7 @@
           <a:p>
             <a:fld id="{39C3B0AD-24BE-4436-965C-094A8916EFA5}" type="slidenum">
               <a:rPr lang="en-US" smtClean="0"/>
-              <a:t>30</a:t>
+              <a:t>32</a:t>
             </a:fld>
             <a:endParaRPr lang="en-US"/>
           </a:p>
@@ -12939,7 +12946,7 @@
           <a:p>
             <a:fld id="{39C3B0AD-24BE-4436-965C-094A8916EFA5}" type="slidenum">
               <a:rPr lang="en-US" smtClean="0"/>
-              <a:t>31</a:t>
+              <a:t>33</a:t>
             </a:fld>
             <a:endParaRPr lang="en-US"/>
           </a:p>
@@ -13306,7 +13313,7 @@
           <a:p>
             <a:fld id="{39C3B0AD-24BE-4436-965C-094A8916EFA5}" type="slidenum">
               <a:rPr lang="en-US" smtClean="0"/>
-              <a:t>4</a:t>
+              <a:t>6</a:t>
             </a:fld>
             <a:endParaRPr lang="en-US"/>
           </a:p>
@@ -13502,8 +13509,8 @@
         </p:nvSpPr>
         <p:spPr>
           <a:xfrm>
-            <a:off x="4325112" y="73152"/>
-            <a:ext cx="2468880" cy="1851660"/>
+            <a:off x="4325938" y="73025"/>
+            <a:ext cx="2466975" cy="1851025"/>
           </a:xfrm>
         </p:spPr>
       </p:sp>
@@ -13565,7 +13572,7 @@
           <a:p>
             <a:fld id="{39C3B0AD-24BE-4436-965C-094A8916EFA5}" type="slidenum">
               <a:rPr lang="en-US" smtClean="0"/>
-              <a:t>5</a:t>
+              <a:t>7</a:t>
             </a:fld>
             <a:endParaRPr lang="en-US"/>
           </a:p>
@@ -13824,7 +13831,7 @@
           <a:p>
             <a:fld id="{39C3B0AD-24BE-4436-965C-094A8916EFA5}" type="slidenum">
               <a:rPr lang="en-US" smtClean="0"/>
-              <a:t>6</a:t>
+              <a:t>8</a:t>
             </a:fld>
             <a:endParaRPr lang="en-US"/>
           </a:p>
@@ -14020,8 +14027,8 @@
         </p:nvSpPr>
         <p:spPr>
           <a:xfrm>
-            <a:off x="4325112" y="73152"/>
-            <a:ext cx="2468880" cy="1851660"/>
+            <a:off x="4325938" y="73025"/>
+            <a:ext cx="2466975" cy="1851025"/>
           </a:xfrm>
         </p:spPr>
       </p:sp>
@@ -14083,7 +14090,7 @@
           <a:p>
             <a:fld id="{39C3B0AD-24BE-4436-965C-094A8916EFA5}" type="slidenum">
               <a:rPr lang="en-US" smtClean="0"/>
-              <a:t>7</a:t>
+              <a:t>9</a:t>
             </a:fld>
             <a:endParaRPr lang="en-US"/>
           </a:p>
@@ -14342,7 +14349,7 @@
           <a:p>
             <a:fld id="{39C3B0AD-24BE-4436-965C-094A8916EFA5}" type="slidenum">
               <a:rPr lang="en-US" smtClean="0"/>
-              <a:t>8</a:t>
+              <a:t>10</a:t>
             </a:fld>
             <a:endParaRPr lang="en-US"/>
           </a:p>
@@ -14588,7 +14595,7 @@
           <a:p>
             <a:fld id="{39C3B0AD-24BE-4436-965C-094A8916EFA5}" type="slidenum">
               <a:rPr lang="en-US" smtClean="0"/>
-              <a:t>9</a:t>
+              <a:t>11</a:t>
             </a:fld>
             <a:endParaRPr lang="en-US"/>
           </a:p>
@@ -17397,7 +17404,7 @@
 
 <file path=ppt/slides/slide10.xml><?xml version="1.0" encoding="utf-8"?>
 <p:sld xmlns:a="http://schemas.openxmlformats.org/drawingml/2006/main" xmlns:r="http://schemas.openxmlformats.org/officeDocument/2006/relationships" xmlns:p="http://schemas.openxmlformats.org/presentationml/2006/main">
-  <p:cSld name="3c65190f-0c8d-49bf-8479-4ff8dcef448c">
+  <p:cSld name="4c7c886d-73c1-43ae-971e-b0e8137cf9c8">
     <p:spTree>
       <p:nvGrpSpPr>
         <p:cNvPr id="1" name=""/>
@@ -17429,7 +17436,7 @@
           <a:p>
             <a:r>
               <a:rPr lang="en-US"/>
-              <a:t>Transient Fault Handling</a:t>
+              <a:t>Load Balancing</a:t>
             </a:r>
           </a:p>
         </p:txBody>
@@ -17676,7 +17683,18 @@
                   <a:srgbClr val="000000"/>
                 </a:solidFill>
               </a:rPr>
-              <a:t>Transient faults can occur because of a temporary condition</a:t>
+              <a:t>Provide the same service from multiple instances and use a load balancer to distribute requests across all of the instances</a:t>
+            </a:r>
+          </a:p>
+          <a:p>
+            <a:pPr lvl="0"/>
+            <a:r>
+              <a:rPr lang="en-US" b="0" kern="0">
+                <a:solidFill>
+                  <a:srgbClr val="000000"/>
+                </a:solidFill>
+              </a:rPr>
+              <a:t>Considerations for selecting a load balancing strategy:</a:t>
             </a:r>
           </a:p>
           <a:p>
@@ -17687,7 +17705,7 @@
                   <a:srgbClr val="000000"/>
                 </a:solidFill>
               </a:rPr>
-              <a:t>Service is unavailable</a:t>
+              <a:t>Hardware or software load balancers</a:t>
             </a:r>
           </a:p>
           <a:p>
@@ -17698,7 +17716,7 @@
                   <a:srgbClr val="000000"/>
                 </a:solidFill>
               </a:rPr>
-              <a:t>Network connectivity issue</a:t>
+              <a:t>Load balancing algorithms (round robin)</a:t>
             </a:r>
           </a:p>
           <a:p>
@@ -17709,7 +17727,7 @@
                   <a:srgbClr val="000000"/>
                 </a:solidFill>
               </a:rPr>
-              <a:t>Service is under heavy load</a:t>
+              <a:t>Load balancer stickiness</a:t>
             </a:r>
           </a:p>
           <a:p>
@@ -17720,51 +17738,7 @@
                   <a:srgbClr val="000000"/>
                 </a:solidFill>
               </a:rPr>
-              <a:t>Retrying your request can resolve temporary issues that normally would crash an application</a:t>
-            </a:r>
-          </a:p>
-          <a:p>
-            <a:pPr lvl="0"/>
-            <a:r>
-              <a:rPr lang="en-US" b="0" kern="0">
-                <a:solidFill>
-                  <a:srgbClr val="000000"/>
-                </a:solidFill>
-              </a:rPr>
-              <a:t>You can retry using different strategies</a:t>
-            </a:r>
-          </a:p>
-          <a:p>
-            <a:pPr lvl="1"/>
-            <a:r>
-              <a:rPr lang="en-US" b="0" kern="0">
-                <a:solidFill>
-                  <a:srgbClr val="000000"/>
-                </a:solidFill>
-              </a:rPr>
-              <a:t>Retry after a fixed time period</a:t>
-            </a:r>
-          </a:p>
-          <a:p>
-            <a:pPr lvl="1"/>
-            <a:r>
-              <a:rPr lang="en-US" b="0" kern="0">
-                <a:solidFill>
-                  <a:srgbClr val="000000"/>
-                </a:solidFill>
-              </a:rPr>
-              <a:t>Exponentially wait longer to retry</a:t>
-            </a:r>
-          </a:p>
-          <a:p>
-            <a:pPr lvl="1"/>
-            <a:r>
-              <a:rPr lang="en-US" b="0" kern="0">
-                <a:solidFill>
-                  <a:srgbClr val="000000"/>
-                </a:solidFill>
-              </a:rPr>
-              <a:t>Retry in timed increments</a:t>
+              <a:t>Load balancing becomes critical even if you have a single service instance as it offers the capability to scale seamlessly</a:t>
             </a:r>
             <a:endParaRPr lang="en-US" b="0" kern="0" dirty="0">
               <a:solidFill>
@@ -17777,7 +17751,7 @@
     </p:spTree>
     <p:extLst>
       <p:ext uri="{BB962C8B-B14F-4D97-AF65-F5344CB8AC3E}">
-        <p14:creationId xmlns:p14="http://schemas.microsoft.com/office/powerpoint/2010/main" val="2693075660"/>
+        <p14:creationId xmlns:p14="http://schemas.microsoft.com/office/powerpoint/2010/main" val="4252825444"/>
       </p:ext>
     </p:extLst>
   </p:cSld>
@@ -17789,7 +17763,7 @@
 
 <file path=ppt/slides/slide11.xml><?xml version="1.0" encoding="utf-8"?>
 <p:sld xmlns:a="http://schemas.openxmlformats.org/drawingml/2006/main" xmlns:r="http://schemas.openxmlformats.org/officeDocument/2006/relationships" xmlns:p="http://schemas.openxmlformats.org/presentationml/2006/main">
-  <p:cSld name="6f3b996d-b423-4905-ac1f-dea82f0aaf3d">
+  <p:cSld name="fb70bd80-2cd6-48d3-9a7a-a331dc1d3134">
     <p:spTree>
       <p:nvGrpSpPr>
         <p:cNvPr id="1" name=""/>
@@ -17821,7 +17795,7 @@
           <a:p>
             <a:r>
               <a:rPr lang="en-US"/>
-              <a:t>Transient Fault Handling (cont.)</a:t>
+              <a:t>Load Balancing and Geographic Resiliency</a:t>
             </a:r>
           </a:p>
         </p:txBody>
@@ -18068,7 +18042,51 @@
                   <a:srgbClr val="000000"/>
                 </a:solidFill>
               </a:rPr>
-              <a:t>The Transient Fault Handling application block is a part of the Enterprise Library</a:t>
+              <a:t>Load balancing can be combined with geographic redundancy to help achieve high availability</a:t>
+            </a:r>
+          </a:p>
+          <a:p>
+            <a:pPr lvl="1"/>
+            <a:r>
+              <a:rPr lang="en-US" b="0" kern="0">
+                <a:solidFill>
+                  <a:srgbClr val="000000"/>
+                </a:solidFill>
+              </a:rPr>
+              <a:t>You can use a load balancer to direct client requests to their closest data center</a:t>
+            </a:r>
+          </a:p>
+          <a:p>
+            <a:pPr lvl="2"/>
+            <a:r>
+              <a:rPr lang="en-US" b="0" kern="0">
+                <a:solidFill>
+                  <a:srgbClr val="000000"/>
+                </a:solidFill>
+              </a:rPr>
+              <a:t>Traffic Manager is often used for this task</a:t>
+            </a:r>
+          </a:p>
+          <a:p>
+            <a:pPr lvl="1"/>
+            <a:r>
+              <a:rPr lang="en-US" b="0" kern="0">
+                <a:solidFill>
+                  <a:srgbClr val="000000"/>
+                </a:solidFill>
+              </a:rPr>
+              <a:t>A load balancer can be used to implement a failover scenario</a:t>
+            </a:r>
+          </a:p>
+          <a:p>
+            <a:pPr lvl="2"/>
+            <a:r>
+              <a:rPr lang="en-US" b="0" kern="0">
+                <a:solidFill>
+                  <a:srgbClr val="000000"/>
+                </a:solidFill>
+              </a:rPr>
+              <a:t>When a data center or compute instance is down, clients can be directed to the next desirable instance that is available</a:t>
             </a:r>
           </a:p>
           <a:p>
@@ -18079,29 +18097,7 @@
                   <a:srgbClr val="000000"/>
                 </a:solidFill>
               </a:rPr>
-              <a:t>The Enterprise library contains a lot of code that is necessary to implement the pattern and the retry strategies</a:t>
-            </a:r>
-          </a:p>
-          <a:p>
-            <a:pPr lvl="0"/>
-            <a:r>
-              <a:rPr lang="en-US" b="0" kern="0">
-                <a:solidFill>
-                  <a:srgbClr val="000000"/>
-                </a:solidFill>
-              </a:rPr>
-              <a:t>Retry strategies are prebuilt for common scenarios including accessing Azure services</a:t>
-            </a:r>
-          </a:p>
-          <a:p>
-            <a:pPr lvl="0"/>
-            <a:r>
-              <a:rPr lang="en-US" b="0" kern="0">
-                <a:solidFill>
-                  <a:srgbClr val="000000"/>
-                </a:solidFill>
-              </a:rPr>
-              <a:t>You can build custom strategies and extend the library for the unique needs of your application</a:t>
+              <a:t>Designing a load balancing strategy along with distributing your application across data centers is key to high availability across the globe</a:t>
             </a:r>
             <a:endParaRPr lang="en-US" b="0" kern="0" dirty="0">
               <a:solidFill>
@@ -18114,7 +18110,7 @@
     </p:spTree>
     <p:extLst>
       <p:ext uri="{BB962C8B-B14F-4D97-AF65-F5344CB8AC3E}">
-        <p14:creationId xmlns:p14="http://schemas.microsoft.com/office/powerpoint/2010/main" val="1855208978"/>
+        <p14:creationId xmlns:p14="http://schemas.microsoft.com/office/powerpoint/2010/main" val="3568391077"/>
       </p:ext>
     </p:extLst>
   </p:cSld>
@@ -18126,7 +18122,7 @@
 
 <file path=ppt/slides/slide12.xml><?xml version="1.0" encoding="utf-8"?>
 <p:sld xmlns:a="http://schemas.openxmlformats.org/drawingml/2006/main" xmlns:r="http://schemas.openxmlformats.org/officeDocument/2006/relationships" xmlns:p="http://schemas.openxmlformats.org/presentationml/2006/main">
-  <p:cSld name="e2600810-3e20-4dae-9ef3-e8ea1ebb593e">
+  <p:cSld name="3c65190f-0c8d-49bf-8479-4ff8dcef448c">
     <p:spTree>
       <p:nvGrpSpPr>
         <p:cNvPr id="1" name=""/>
@@ -18158,7 +18154,7 @@
           <a:p>
             <a:r>
               <a:rPr lang="en-US"/>
-              <a:t>Queues</a:t>
+              <a:t>Transient Fault Handling</a:t>
             </a:r>
           </a:p>
         </p:txBody>
@@ -18405,7 +18401,40 @@
                   <a:srgbClr val="000000"/>
                 </a:solidFill>
               </a:rPr>
-              <a:t>A modular web application can behave like a monolithic application if each component relies on a direct two-way communication with a persistent connection</a:t>
+              <a:t>Transient faults can occur because of a temporary condition</a:t>
+            </a:r>
+          </a:p>
+          <a:p>
+            <a:pPr lvl="1"/>
+            <a:r>
+              <a:rPr lang="en-US" b="0" kern="0">
+                <a:solidFill>
+                  <a:srgbClr val="000000"/>
+                </a:solidFill>
+              </a:rPr>
+              <a:t>Service is unavailable</a:t>
+            </a:r>
+          </a:p>
+          <a:p>
+            <a:pPr lvl="1"/>
+            <a:r>
+              <a:rPr lang="en-US" b="0" kern="0">
+                <a:solidFill>
+                  <a:srgbClr val="000000"/>
+                </a:solidFill>
+              </a:rPr>
+              <a:t>Network connectivity issue</a:t>
+            </a:r>
+          </a:p>
+          <a:p>
+            <a:pPr lvl="1"/>
+            <a:r>
+              <a:rPr lang="en-US" b="0" kern="0">
+                <a:solidFill>
+                  <a:srgbClr val="000000"/>
+                </a:solidFill>
+              </a:rPr>
+              <a:t>Service is under heavy load</a:t>
             </a:r>
           </a:p>
           <a:p>
@@ -18416,7 +18445,7 @@
                   <a:srgbClr val="000000"/>
                 </a:solidFill>
               </a:rPr>
-              <a:t>Persistent queue messages allow your application to handle requests if one of your application components fail or is temporary unavailable</a:t>
+              <a:t>Retrying your request can resolve temporary issues that normally would crash an application</a:t>
             </a:r>
           </a:p>
           <a:p>
@@ -18427,7 +18456,40 @@
                   <a:srgbClr val="000000"/>
                 </a:solidFill>
               </a:rPr>
-              <a:t>An external queue allows your application to audit requests or measure your load without adding any overhead to the code of your primary application</a:t>
+              <a:t>You can retry using different strategies</a:t>
+            </a:r>
+          </a:p>
+          <a:p>
+            <a:pPr lvl="1"/>
+            <a:r>
+              <a:rPr lang="en-US" b="0" kern="0">
+                <a:solidFill>
+                  <a:srgbClr val="000000"/>
+                </a:solidFill>
+              </a:rPr>
+              <a:t>Retry after a fixed time period</a:t>
+            </a:r>
+          </a:p>
+          <a:p>
+            <a:pPr lvl="1"/>
+            <a:r>
+              <a:rPr lang="en-US" b="0" kern="0">
+                <a:solidFill>
+                  <a:srgbClr val="000000"/>
+                </a:solidFill>
+              </a:rPr>
+              <a:t>Exponentially wait longer to retry</a:t>
+            </a:r>
+          </a:p>
+          <a:p>
+            <a:pPr lvl="1"/>
+            <a:r>
+              <a:rPr lang="en-US" b="0" kern="0">
+                <a:solidFill>
+                  <a:srgbClr val="000000"/>
+                </a:solidFill>
+              </a:rPr>
+              <a:t>Retry in timed increments</a:t>
             </a:r>
             <a:endParaRPr lang="en-US" b="0" kern="0" dirty="0">
               <a:solidFill>
@@ -18440,7 +18502,7 @@
     </p:spTree>
     <p:extLst>
       <p:ext uri="{BB962C8B-B14F-4D97-AF65-F5344CB8AC3E}">
-        <p14:creationId xmlns:p14="http://schemas.microsoft.com/office/powerpoint/2010/main" val="1530557750"/>
+        <p14:creationId xmlns:p14="http://schemas.microsoft.com/office/powerpoint/2010/main" val="2693075660"/>
       </p:ext>
     </p:extLst>
   </p:cSld>
@@ -18452,7 +18514,7 @@
 
 <file path=ppt/slides/slide13.xml><?xml version="1.0" encoding="utf-8"?>
 <p:sld xmlns:a="http://schemas.openxmlformats.org/drawingml/2006/main" xmlns:r="http://schemas.openxmlformats.org/officeDocument/2006/relationships" xmlns:p="http://schemas.openxmlformats.org/presentationml/2006/main">
-  <p:cSld name="780ae4e0-16ac-4607-a83b-c30db035f46e">
+  <p:cSld name="6f3b996d-b423-4905-ac1f-dea82f0aaf3d">
     <p:spTree>
       <p:nvGrpSpPr>
         <p:cNvPr id="1" name=""/>
@@ -18484,7 +18546,7 @@
           <a:p>
             <a:r>
               <a:rPr lang="en-US"/>
-              <a:t>Queues (cont.)</a:t>
+              <a:t>Transient Fault Handling (cont.)</a:t>
             </a:r>
           </a:p>
         </p:txBody>
@@ -18731,51 +18793,40 @@
                   <a:srgbClr val="000000"/>
                 </a:solidFill>
               </a:rPr>
-              <a:t>Queues can be used to communicate in a disconnected manner between the different components of your application</a:t>
-            </a:r>
-          </a:p>
-          <a:p>
-            <a:pPr lvl="1"/>
+              <a:t>The Transient Fault Handling application block is a part of the Enterprise Library</a:t>
+            </a:r>
+          </a:p>
+          <a:p>
+            <a:pPr lvl="0"/>
             <a:r>
               <a:rPr lang="en-US" b="0" kern="0">
                 <a:solidFill>
                   <a:srgbClr val="000000"/>
                 </a:solidFill>
               </a:rPr>
-              <a:t>If an instance of your application module fails, another instance can process the queue messages</a:t>
-            </a:r>
-          </a:p>
-          <a:p>
-            <a:pPr lvl="1"/>
+              <a:t>The Enterprise library contains a lot of code that is necessary to implement the pattern and the retry strategies</a:t>
+            </a:r>
+          </a:p>
+          <a:p>
+            <a:pPr lvl="0"/>
             <a:r>
               <a:rPr lang="en-US" b="0" kern="0">
                 <a:solidFill>
                   <a:srgbClr val="000000"/>
                 </a:solidFill>
               </a:rPr>
-              <a:t>Messages that fail to be processed can either be reinserted into the queue or not marked as complete by the client module</a:t>
-            </a:r>
-          </a:p>
-          <a:p>
-            <a:pPr lvl="1"/>
+              <a:t>Retry strategies are prebuilt for common scenarios including accessing Azure services</a:t>
+            </a:r>
+          </a:p>
+          <a:p>
+            <a:pPr lvl="0"/>
             <a:r>
               <a:rPr lang="en-US" b="0" kern="0">
                 <a:solidFill>
                   <a:srgbClr val="000000"/>
                 </a:solidFill>
               </a:rPr>
-              <a:t>Messages can be measured or audited in isolation from your application</a:t>
-            </a:r>
-          </a:p>
-          <a:p>
-            <a:pPr lvl="0"/>
-            <a:r>
-              <a:rPr lang="en-US" b="0" kern="0">
-                <a:solidFill>
-                  <a:srgbClr val="000000"/>
-                </a:solidFill>
-              </a:rPr>
-              <a:t>Queues become very important when dealing with background processing (Worker roles and WebJobs)</a:t>
+              <a:t>You can build custom strategies and extend the library for the unique needs of your application</a:t>
             </a:r>
             <a:endParaRPr lang="en-US" b="0" kern="0" dirty="0">
               <a:solidFill>
@@ -18788,7 +18839,7 @@
     </p:spTree>
     <p:extLst>
       <p:ext uri="{BB962C8B-B14F-4D97-AF65-F5344CB8AC3E}">
-        <p14:creationId xmlns:p14="http://schemas.microsoft.com/office/powerpoint/2010/main" val="4169232134"/>
+        <p14:creationId xmlns:p14="http://schemas.microsoft.com/office/powerpoint/2010/main" val="1855208978"/>
       </p:ext>
     </p:extLst>
   </p:cSld>
@@ -18800,7 +18851,7 @@
 
 <file path=ppt/slides/slide14.xml><?xml version="1.0" encoding="utf-8"?>
 <p:sld xmlns:a="http://schemas.openxmlformats.org/drawingml/2006/main" xmlns:r="http://schemas.openxmlformats.org/officeDocument/2006/relationships" xmlns:p="http://schemas.openxmlformats.org/presentationml/2006/main">
-  <p:cSld name="36160850-e6a3-4f6a-aca2-93c3469e54b9">
+  <p:cSld name="e2600810-3e20-4dae-9ef3-e8ea1ebb593e">
     <p:spTree>
       <p:nvGrpSpPr>
         <p:cNvPr id="1" name=""/>
@@ -18832,82 +18883,7 @@
           <a:p>
             <a:r>
               <a:rPr lang="en-US"/>
-              <a:t>Lesson 2: Application Analytics</a:t>
-            </a:r>
-          </a:p>
-        </p:txBody>
-      </p:sp>
-      <p:sp>
-        <p:nvSpPr>
-          <p:cNvPr id="3" name="Text Placeholder 2"/>
-          <p:cNvSpPr>
-            <a:spLocks noGrp="1"/>
-          </p:cNvSpPr>
-          <p:nvPr>
-            <p:ph type="body" idx="1"/>
-          </p:nvPr>
-        </p:nvSpPr>
-        <p:spPr/>
-        <p:txBody>
-          <a:bodyPr/>
-          <a:lstStyle/>
-          <a:p>
-            <a:r>
-              <a:rPr lang="en-US"/>
-              <a:t>Application Insights
-Demonstration: Monitoring a Web Application</a:t>
-            </a:r>
-          </a:p>
-        </p:txBody>
-      </p:sp>
-    </p:spTree>
-    <p:extLst>
-      <p:ext uri="{BB962C8B-B14F-4D97-AF65-F5344CB8AC3E}">
-        <p14:creationId xmlns:p14="http://schemas.microsoft.com/office/powerpoint/2010/main" val="3806192749"/>
-      </p:ext>
-    </p:extLst>
-  </p:cSld>
-  <p:clrMapOvr>
-    <a:masterClrMapping/>
-  </p:clrMapOvr>
-</p:sld>
-</file>
-
-<file path=ppt/slides/slide15.xml><?xml version="1.0" encoding="utf-8"?>
-<p:sld xmlns:a="http://schemas.openxmlformats.org/drawingml/2006/main" xmlns:r="http://schemas.openxmlformats.org/officeDocument/2006/relationships" xmlns:p="http://schemas.openxmlformats.org/presentationml/2006/main">
-  <p:cSld name="2a97b199-eeaf-44c0-a223-a92d005c917d">
-    <p:spTree>
-      <p:nvGrpSpPr>
-        <p:cNvPr id="1" name=""/>
-        <p:cNvGrpSpPr/>
-        <p:nvPr/>
-      </p:nvGrpSpPr>
-      <p:grpSpPr>
-        <a:xfrm>
-          <a:off x="0" y="0"/>
-          <a:ext cx="0" cy="0"/>
-          <a:chOff x="0" y="0"/>
-          <a:chExt cx="0" cy="0"/>
-        </a:xfrm>
-      </p:grpSpPr>
-      <p:sp>
-        <p:nvSpPr>
-          <p:cNvPr id="2" name="Title 1"/>
-          <p:cNvSpPr>
-            <a:spLocks noGrp="1"/>
-          </p:cNvSpPr>
-          <p:nvPr>
-            <p:ph type="title"/>
-          </p:nvPr>
-        </p:nvSpPr>
-        <p:spPr/>
-        <p:txBody>
-          <a:bodyPr/>
-          <a:lstStyle/>
-          <a:p>
-            <a:r>
-              <a:rPr lang="en-US"/>
-              <a:t>Application Insights</a:t>
+              <a:t>Queues</a:t>
             </a:r>
           </a:p>
         </p:txBody>
@@ -19154,6 +19130,754 @@
                   <a:srgbClr val="000000"/>
                 </a:solidFill>
               </a:rPr>
+              <a:t>A modular web application can behave like a monolithic application if each component relies on a direct two-way communication with a persistent connection</a:t>
+            </a:r>
+          </a:p>
+          <a:p>
+            <a:pPr lvl="0"/>
+            <a:r>
+              <a:rPr lang="en-US" b="0" kern="0">
+                <a:solidFill>
+                  <a:srgbClr val="000000"/>
+                </a:solidFill>
+              </a:rPr>
+              <a:t>Persistent queue messages allow your application to handle requests if one of your application components fail or is temporary unavailable</a:t>
+            </a:r>
+          </a:p>
+          <a:p>
+            <a:pPr lvl="0"/>
+            <a:r>
+              <a:rPr lang="en-US" b="0" kern="0">
+                <a:solidFill>
+                  <a:srgbClr val="000000"/>
+                </a:solidFill>
+              </a:rPr>
+              <a:t>An external queue allows your application to audit requests or measure your load without adding any overhead to the code of your primary application</a:t>
+            </a:r>
+            <a:endParaRPr lang="en-US" b="0" kern="0" dirty="0">
+              <a:solidFill>
+                <a:srgbClr val="000000"/>
+              </a:solidFill>
+            </a:endParaRPr>
+          </a:p>
+        </p:txBody>
+      </p:sp>
+    </p:spTree>
+    <p:extLst>
+      <p:ext uri="{BB962C8B-B14F-4D97-AF65-F5344CB8AC3E}">
+        <p14:creationId xmlns:p14="http://schemas.microsoft.com/office/powerpoint/2010/main" val="1530557750"/>
+      </p:ext>
+    </p:extLst>
+  </p:cSld>
+  <p:clrMapOvr>
+    <a:masterClrMapping/>
+  </p:clrMapOvr>
+</p:sld>
+</file>
+
+<file path=ppt/slides/slide15.xml><?xml version="1.0" encoding="utf-8"?>
+<p:sld xmlns:a="http://schemas.openxmlformats.org/drawingml/2006/main" xmlns:r="http://schemas.openxmlformats.org/officeDocument/2006/relationships" xmlns:p="http://schemas.openxmlformats.org/presentationml/2006/main">
+  <p:cSld name="780ae4e0-16ac-4607-a83b-c30db035f46e">
+    <p:spTree>
+      <p:nvGrpSpPr>
+        <p:cNvPr id="1" name=""/>
+        <p:cNvGrpSpPr/>
+        <p:nvPr/>
+      </p:nvGrpSpPr>
+      <p:grpSpPr>
+        <a:xfrm>
+          <a:off x="0" y="0"/>
+          <a:ext cx="0" cy="0"/>
+          <a:chOff x="0" y="0"/>
+          <a:chExt cx="0" cy="0"/>
+        </a:xfrm>
+      </p:grpSpPr>
+      <p:sp>
+        <p:nvSpPr>
+          <p:cNvPr id="2" name="Title 1"/>
+          <p:cNvSpPr>
+            <a:spLocks noGrp="1"/>
+          </p:cNvSpPr>
+          <p:nvPr>
+            <p:ph type="title"/>
+          </p:nvPr>
+        </p:nvSpPr>
+        <p:spPr/>
+        <p:txBody>
+          <a:bodyPr/>
+          <a:lstStyle/>
+          <a:p>
+            <a:r>
+              <a:rPr lang="en-US"/>
+              <a:t>Queues (cont.)</a:t>
+            </a:r>
+          </a:p>
+        </p:txBody>
+      </p:sp>
+      <p:sp>
+        <p:nvSpPr>
+          <p:cNvPr id="4" name="Content Placeholder 2"/>
+          <p:cNvSpPr txBox="1">
+            <a:spLocks/>
+          </p:cNvSpPr>
+          <p:nvPr/>
+        </p:nvSpPr>
+        <p:spPr>
+          <a:xfrm>
+            <a:off x="458788" y="1021215"/>
+            <a:ext cx="8119156" cy="5147356"/>
+          </a:xfrm>
+          <a:prstGeom prst="rect">
+            <a:avLst/>
+          </a:prstGeom>
+        </p:spPr>
+        <p:txBody>
+          <a:bodyPr/>
+          <a:lstStyle>
+            <a:lvl1pPr marL="174625" indent="-174625" algn="l" rtl="0" eaLnBrk="1" fontAlgn="base" hangingPunct="1">
+              <a:lnSpc>
+                <a:spcPct val="100000"/>
+              </a:lnSpc>
+              <a:spcBef>
+                <a:spcPts val="600"/>
+              </a:spcBef>
+              <a:spcAft>
+                <a:spcPct val="0"/>
+              </a:spcAft>
+              <a:buClr>
+                <a:srgbClr val="0070C0"/>
+              </a:buClr>
+              <a:buSzPct val="90000"/>
+              <a:buFont typeface="Arial" pitchFamily="34" charset="0"/>
+              <a:buChar char="•"/>
+              <a:defRPr sz="2800">
+                <a:solidFill>
+                  <a:schemeClr val="tx1"/>
+                </a:solidFill>
+                <a:latin typeface="Segoe UI" pitchFamily="34" charset="0"/>
+                <a:ea typeface="Segoe UI" pitchFamily="34" charset="0"/>
+                <a:cs typeface="Segoe UI" pitchFamily="34" charset="0"/>
+              </a:defRPr>
+            </a:lvl1pPr>
+            <a:lvl2pPr marL="458788" indent="-169863" algn="l" rtl="0" eaLnBrk="1" fontAlgn="base" hangingPunct="1">
+              <a:lnSpc>
+                <a:spcPct val="100000"/>
+              </a:lnSpc>
+              <a:spcBef>
+                <a:spcPts val="600"/>
+              </a:spcBef>
+              <a:spcAft>
+                <a:spcPct val="0"/>
+              </a:spcAft>
+              <a:buClr>
+                <a:srgbClr val="0070C0"/>
+              </a:buClr>
+              <a:buSzPct val="80000"/>
+              <a:buFont typeface="Arial" pitchFamily="34" charset="0"/>
+              <a:buChar char="•"/>
+              <a:defRPr sz="2400">
+                <a:solidFill>
+                  <a:schemeClr val="tx1"/>
+                </a:solidFill>
+                <a:latin typeface="Segoe UI" pitchFamily="34" charset="0"/>
+                <a:ea typeface="Segoe UI" pitchFamily="34" charset="0"/>
+                <a:cs typeface="Segoe UI" pitchFamily="34" charset="0"/>
+              </a:defRPr>
+            </a:lvl2pPr>
+            <a:lvl3pPr marL="854075" indent="-173038" algn="l" rtl="0" eaLnBrk="1" fontAlgn="base" hangingPunct="1">
+              <a:lnSpc>
+                <a:spcPct val="100000"/>
+              </a:lnSpc>
+              <a:spcBef>
+                <a:spcPts val="600"/>
+              </a:spcBef>
+              <a:spcAft>
+                <a:spcPct val="0"/>
+              </a:spcAft>
+              <a:buClr>
+                <a:srgbClr val="0070C0"/>
+              </a:buClr>
+              <a:buSzPct val="80000"/>
+              <a:buFont typeface="Arial" pitchFamily="34" charset="0"/>
+              <a:buChar char="•"/>
+              <a:defRPr sz="2000">
+                <a:solidFill>
+                  <a:schemeClr val="tx1"/>
+                </a:solidFill>
+                <a:latin typeface="Segoe UI" pitchFamily="34" charset="0"/>
+                <a:ea typeface="Segoe UI" pitchFamily="34" charset="0"/>
+                <a:cs typeface="Segoe UI" pitchFamily="34" charset="0"/>
+              </a:defRPr>
+            </a:lvl3pPr>
+            <a:lvl4pPr marL="1254125" indent="-165100" algn="l" rtl="0" eaLnBrk="1" fontAlgn="base" hangingPunct="1">
+              <a:lnSpc>
+                <a:spcPct val="100000"/>
+              </a:lnSpc>
+              <a:spcBef>
+                <a:spcPts val="600"/>
+              </a:spcBef>
+              <a:spcAft>
+                <a:spcPct val="0"/>
+              </a:spcAft>
+              <a:buClr>
+                <a:srgbClr val="0070C0"/>
+              </a:buClr>
+              <a:buSzPct val="90000"/>
+              <a:buFont typeface="Arial" pitchFamily="34" charset="0"/>
+              <a:buChar char="•"/>
+              <a:defRPr sz="1800">
+                <a:solidFill>
+                  <a:schemeClr val="tx1"/>
+                </a:solidFill>
+                <a:latin typeface="Segoe UI" pitchFamily="34" charset="0"/>
+                <a:ea typeface="Segoe UI" pitchFamily="34" charset="0"/>
+                <a:cs typeface="Segoe UI" pitchFamily="34" charset="0"/>
+              </a:defRPr>
+            </a:lvl4pPr>
+            <a:lvl5pPr marL="1544638" indent="-168275" algn="l" rtl="0" eaLnBrk="1" fontAlgn="base" hangingPunct="1">
+              <a:lnSpc>
+                <a:spcPct val="100000"/>
+              </a:lnSpc>
+              <a:spcBef>
+                <a:spcPts val="600"/>
+              </a:spcBef>
+              <a:spcAft>
+                <a:spcPct val="0"/>
+              </a:spcAft>
+              <a:buClr>
+                <a:srgbClr val="0070C0"/>
+              </a:buClr>
+              <a:buSzPct val="90000"/>
+              <a:buFont typeface="Arial" pitchFamily="34" charset="0"/>
+              <a:buChar char="•"/>
+              <a:defRPr sz="1800">
+                <a:solidFill>
+                  <a:schemeClr val="tx1"/>
+                </a:solidFill>
+                <a:latin typeface="Segoe UI" pitchFamily="34" charset="0"/>
+                <a:ea typeface="Segoe UI" pitchFamily="34" charset="0"/>
+                <a:cs typeface="Segoe UI" pitchFamily="34" charset="0"/>
+              </a:defRPr>
+            </a:lvl5pPr>
+            <a:lvl6pPr marL="2001838" indent="-168275" algn="l" rtl="0" eaLnBrk="1" fontAlgn="base" hangingPunct="1">
+              <a:lnSpc>
+                <a:spcPct val="90000"/>
+              </a:lnSpc>
+              <a:spcBef>
+                <a:spcPct val="70000"/>
+              </a:spcBef>
+              <a:spcAft>
+                <a:spcPct val="0"/>
+              </a:spcAft>
+              <a:buClr>
+                <a:srgbClr val="2D4A6D"/>
+              </a:buClr>
+              <a:buSzPct val="90000"/>
+              <a:buChar char="•"/>
+              <a:defRPr sz="1600">
+                <a:solidFill>
+                  <a:schemeClr val="tx1"/>
+                </a:solidFill>
+                <a:latin typeface="+mn-lt"/>
+              </a:defRPr>
+            </a:lvl6pPr>
+            <a:lvl7pPr marL="2459038" indent="-168275" algn="l" rtl="0" eaLnBrk="1" fontAlgn="base" hangingPunct="1">
+              <a:lnSpc>
+                <a:spcPct val="90000"/>
+              </a:lnSpc>
+              <a:spcBef>
+                <a:spcPct val="70000"/>
+              </a:spcBef>
+              <a:spcAft>
+                <a:spcPct val="0"/>
+              </a:spcAft>
+              <a:buClr>
+                <a:srgbClr val="2D4A6D"/>
+              </a:buClr>
+              <a:buSzPct val="90000"/>
+              <a:buChar char="•"/>
+              <a:defRPr sz="1600">
+                <a:solidFill>
+                  <a:schemeClr val="tx1"/>
+                </a:solidFill>
+                <a:latin typeface="+mn-lt"/>
+              </a:defRPr>
+            </a:lvl7pPr>
+            <a:lvl8pPr marL="2916238" indent="-168275" algn="l" rtl="0" eaLnBrk="1" fontAlgn="base" hangingPunct="1">
+              <a:lnSpc>
+                <a:spcPct val="90000"/>
+              </a:lnSpc>
+              <a:spcBef>
+                <a:spcPct val="70000"/>
+              </a:spcBef>
+              <a:spcAft>
+                <a:spcPct val="0"/>
+              </a:spcAft>
+              <a:buClr>
+                <a:srgbClr val="2D4A6D"/>
+              </a:buClr>
+              <a:buSzPct val="90000"/>
+              <a:buChar char="•"/>
+              <a:defRPr sz="1600">
+                <a:solidFill>
+                  <a:schemeClr val="tx1"/>
+                </a:solidFill>
+                <a:latin typeface="+mn-lt"/>
+              </a:defRPr>
+            </a:lvl8pPr>
+            <a:lvl9pPr marL="3373438" indent="-168275" algn="l" rtl="0" eaLnBrk="1" fontAlgn="base" hangingPunct="1">
+              <a:lnSpc>
+                <a:spcPct val="90000"/>
+              </a:lnSpc>
+              <a:spcBef>
+                <a:spcPct val="70000"/>
+              </a:spcBef>
+              <a:spcAft>
+                <a:spcPct val="0"/>
+              </a:spcAft>
+              <a:buClr>
+                <a:srgbClr val="2D4A6D"/>
+              </a:buClr>
+              <a:buSzPct val="90000"/>
+              <a:buChar char="•"/>
+              <a:defRPr sz="1600">
+                <a:solidFill>
+                  <a:schemeClr val="tx1"/>
+                </a:solidFill>
+                <a:latin typeface="+mn-lt"/>
+              </a:defRPr>
+            </a:lvl9pPr>
+          </a:lstStyle>
+          <a:p>
+            <a:pPr lvl="0"/>
+            <a:r>
+              <a:rPr lang="en-US" b="0" kern="0">
+                <a:solidFill>
+                  <a:srgbClr val="000000"/>
+                </a:solidFill>
+              </a:rPr>
+              <a:t>Queues can be used to communicate in a disconnected manner between the different components of your application</a:t>
+            </a:r>
+          </a:p>
+          <a:p>
+            <a:pPr lvl="1"/>
+            <a:r>
+              <a:rPr lang="en-US" b="0" kern="0">
+                <a:solidFill>
+                  <a:srgbClr val="000000"/>
+                </a:solidFill>
+              </a:rPr>
+              <a:t>If an instance of your application module fails, another instance can process the queue messages</a:t>
+            </a:r>
+          </a:p>
+          <a:p>
+            <a:pPr lvl="1"/>
+            <a:r>
+              <a:rPr lang="en-US" b="0" kern="0">
+                <a:solidFill>
+                  <a:srgbClr val="000000"/>
+                </a:solidFill>
+              </a:rPr>
+              <a:t>Messages that fail to be processed can either be reinserted into the queue or not marked as complete by the client module</a:t>
+            </a:r>
+          </a:p>
+          <a:p>
+            <a:pPr lvl="1"/>
+            <a:r>
+              <a:rPr lang="en-US" b="0" kern="0">
+                <a:solidFill>
+                  <a:srgbClr val="000000"/>
+                </a:solidFill>
+              </a:rPr>
+              <a:t>Messages can be measured or audited in isolation from your application</a:t>
+            </a:r>
+          </a:p>
+          <a:p>
+            <a:pPr lvl="0"/>
+            <a:r>
+              <a:rPr lang="en-US" b="0" kern="0">
+                <a:solidFill>
+                  <a:srgbClr val="000000"/>
+                </a:solidFill>
+              </a:rPr>
+              <a:t>Queues become very important when dealing with background processing (Worker roles and WebJobs)</a:t>
+            </a:r>
+            <a:endParaRPr lang="en-US" b="0" kern="0" dirty="0">
+              <a:solidFill>
+                <a:srgbClr val="000000"/>
+              </a:solidFill>
+            </a:endParaRPr>
+          </a:p>
+        </p:txBody>
+      </p:sp>
+    </p:spTree>
+    <p:extLst>
+      <p:ext uri="{BB962C8B-B14F-4D97-AF65-F5344CB8AC3E}">
+        <p14:creationId xmlns:p14="http://schemas.microsoft.com/office/powerpoint/2010/main" val="4169232134"/>
+      </p:ext>
+    </p:extLst>
+  </p:cSld>
+  <p:clrMapOvr>
+    <a:masterClrMapping/>
+  </p:clrMapOvr>
+</p:sld>
+</file>
+
+<file path=ppt/slides/slide16.xml><?xml version="1.0" encoding="utf-8"?>
+<p:sld xmlns:a="http://schemas.openxmlformats.org/drawingml/2006/main" xmlns:r="http://schemas.openxmlformats.org/officeDocument/2006/relationships" xmlns:p="http://schemas.openxmlformats.org/presentationml/2006/main">
+  <p:cSld name="36160850-e6a3-4f6a-aca2-93c3469e54b9">
+    <p:spTree>
+      <p:nvGrpSpPr>
+        <p:cNvPr id="1" name=""/>
+        <p:cNvGrpSpPr/>
+        <p:nvPr/>
+      </p:nvGrpSpPr>
+      <p:grpSpPr>
+        <a:xfrm>
+          <a:off x="0" y="0"/>
+          <a:ext cx="0" cy="0"/>
+          <a:chOff x="0" y="0"/>
+          <a:chExt cx="0" cy="0"/>
+        </a:xfrm>
+      </p:grpSpPr>
+      <p:sp>
+        <p:nvSpPr>
+          <p:cNvPr id="2" name="Title 1"/>
+          <p:cNvSpPr>
+            <a:spLocks noGrp="1"/>
+          </p:cNvSpPr>
+          <p:nvPr>
+            <p:ph type="title"/>
+          </p:nvPr>
+        </p:nvSpPr>
+        <p:spPr/>
+        <p:txBody>
+          <a:bodyPr/>
+          <a:lstStyle/>
+          <a:p>
+            <a:r>
+              <a:rPr lang="en-US"/>
+              <a:t>Lesson 2: Application Analytics</a:t>
+            </a:r>
+          </a:p>
+        </p:txBody>
+      </p:sp>
+      <p:sp>
+        <p:nvSpPr>
+          <p:cNvPr id="3" name="Text Placeholder 2"/>
+          <p:cNvSpPr>
+            <a:spLocks noGrp="1"/>
+          </p:cNvSpPr>
+          <p:nvPr>
+            <p:ph type="body" idx="1"/>
+          </p:nvPr>
+        </p:nvSpPr>
+        <p:spPr/>
+        <p:txBody>
+          <a:bodyPr/>
+          <a:lstStyle/>
+          <a:p>
+            <a:r>
+              <a:rPr lang="en-US" dirty="0"/>
+              <a:t>Application Insights</a:t>
+            </a:r>
+          </a:p>
+        </p:txBody>
+      </p:sp>
+    </p:spTree>
+    <p:extLst>
+      <p:ext uri="{BB962C8B-B14F-4D97-AF65-F5344CB8AC3E}">
+        <p14:creationId xmlns:p14="http://schemas.microsoft.com/office/powerpoint/2010/main" val="3806192749"/>
+      </p:ext>
+    </p:extLst>
+  </p:cSld>
+  <p:clrMapOvr>
+    <a:masterClrMapping/>
+  </p:clrMapOvr>
+</p:sld>
+</file>
+
+<file path=ppt/slides/slide17.xml><?xml version="1.0" encoding="utf-8"?>
+<p:sld xmlns:a="http://schemas.openxmlformats.org/drawingml/2006/main" xmlns:r="http://schemas.openxmlformats.org/officeDocument/2006/relationships" xmlns:p="http://schemas.openxmlformats.org/presentationml/2006/main">
+  <p:cSld name="2a97b199-eeaf-44c0-a223-a92d005c917d">
+    <p:spTree>
+      <p:nvGrpSpPr>
+        <p:cNvPr id="1" name=""/>
+        <p:cNvGrpSpPr/>
+        <p:nvPr/>
+      </p:nvGrpSpPr>
+      <p:grpSpPr>
+        <a:xfrm>
+          <a:off x="0" y="0"/>
+          <a:ext cx="0" cy="0"/>
+          <a:chOff x="0" y="0"/>
+          <a:chExt cx="0" cy="0"/>
+        </a:xfrm>
+      </p:grpSpPr>
+      <p:sp>
+        <p:nvSpPr>
+          <p:cNvPr id="2" name="Title 1"/>
+          <p:cNvSpPr>
+            <a:spLocks noGrp="1"/>
+          </p:cNvSpPr>
+          <p:nvPr>
+            <p:ph type="title"/>
+          </p:nvPr>
+        </p:nvSpPr>
+        <p:spPr/>
+        <p:txBody>
+          <a:bodyPr/>
+          <a:lstStyle/>
+          <a:p>
+            <a:r>
+              <a:rPr lang="en-US"/>
+              <a:t>Application Insights</a:t>
+            </a:r>
+          </a:p>
+        </p:txBody>
+      </p:sp>
+      <p:sp>
+        <p:nvSpPr>
+          <p:cNvPr id="4" name="Content Placeholder 2"/>
+          <p:cNvSpPr txBox="1">
+            <a:spLocks/>
+          </p:cNvSpPr>
+          <p:nvPr/>
+        </p:nvSpPr>
+        <p:spPr>
+          <a:xfrm>
+            <a:off x="458788" y="1021215"/>
+            <a:ext cx="8119156" cy="5147356"/>
+          </a:xfrm>
+          <a:prstGeom prst="rect">
+            <a:avLst/>
+          </a:prstGeom>
+        </p:spPr>
+        <p:txBody>
+          <a:bodyPr/>
+          <a:lstStyle>
+            <a:lvl1pPr marL="174625" indent="-174625" algn="l" rtl="0" eaLnBrk="1" fontAlgn="base" hangingPunct="1">
+              <a:lnSpc>
+                <a:spcPct val="100000"/>
+              </a:lnSpc>
+              <a:spcBef>
+                <a:spcPts val="600"/>
+              </a:spcBef>
+              <a:spcAft>
+                <a:spcPct val="0"/>
+              </a:spcAft>
+              <a:buClr>
+                <a:srgbClr val="0070C0"/>
+              </a:buClr>
+              <a:buSzPct val="90000"/>
+              <a:buFont typeface="Arial" pitchFamily="34" charset="0"/>
+              <a:buChar char="•"/>
+              <a:defRPr sz="2800">
+                <a:solidFill>
+                  <a:schemeClr val="tx1"/>
+                </a:solidFill>
+                <a:latin typeface="Segoe UI" pitchFamily="34" charset="0"/>
+                <a:ea typeface="Segoe UI" pitchFamily="34" charset="0"/>
+                <a:cs typeface="Segoe UI" pitchFamily="34" charset="0"/>
+              </a:defRPr>
+            </a:lvl1pPr>
+            <a:lvl2pPr marL="458788" indent="-169863" algn="l" rtl="0" eaLnBrk="1" fontAlgn="base" hangingPunct="1">
+              <a:lnSpc>
+                <a:spcPct val="100000"/>
+              </a:lnSpc>
+              <a:spcBef>
+                <a:spcPts val="600"/>
+              </a:spcBef>
+              <a:spcAft>
+                <a:spcPct val="0"/>
+              </a:spcAft>
+              <a:buClr>
+                <a:srgbClr val="0070C0"/>
+              </a:buClr>
+              <a:buSzPct val="80000"/>
+              <a:buFont typeface="Arial" pitchFamily="34" charset="0"/>
+              <a:buChar char="•"/>
+              <a:defRPr sz="2400">
+                <a:solidFill>
+                  <a:schemeClr val="tx1"/>
+                </a:solidFill>
+                <a:latin typeface="Segoe UI" pitchFamily="34" charset="0"/>
+                <a:ea typeface="Segoe UI" pitchFamily="34" charset="0"/>
+                <a:cs typeface="Segoe UI" pitchFamily="34" charset="0"/>
+              </a:defRPr>
+            </a:lvl2pPr>
+            <a:lvl3pPr marL="854075" indent="-173038" algn="l" rtl="0" eaLnBrk="1" fontAlgn="base" hangingPunct="1">
+              <a:lnSpc>
+                <a:spcPct val="100000"/>
+              </a:lnSpc>
+              <a:spcBef>
+                <a:spcPts val="600"/>
+              </a:spcBef>
+              <a:spcAft>
+                <a:spcPct val="0"/>
+              </a:spcAft>
+              <a:buClr>
+                <a:srgbClr val="0070C0"/>
+              </a:buClr>
+              <a:buSzPct val="80000"/>
+              <a:buFont typeface="Arial" pitchFamily="34" charset="0"/>
+              <a:buChar char="•"/>
+              <a:defRPr sz="2000">
+                <a:solidFill>
+                  <a:schemeClr val="tx1"/>
+                </a:solidFill>
+                <a:latin typeface="Segoe UI" pitchFamily="34" charset="0"/>
+                <a:ea typeface="Segoe UI" pitchFamily="34" charset="0"/>
+                <a:cs typeface="Segoe UI" pitchFamily="34" charset="0"/>
+              </a:defRPr>
+            </a:lvl3pPr>
+            <a:lvl4pPr marL="1254125" indent="-165100" algn="l" rtl="0" eaLnBrk="1" fontAlgn="base" hangingPunct="1">
+              <a:lnSpc>
+                <a:spcPct val="100000"/>
+              </a:lnSpc>
+              <a:spcBef>
+                <a:spcPts val="600"/>
+              </a:spcBef>
+              <a:spcAft>
+                <a:spcPct val="0"/>
+              </a:spcAft>
+              <a:buClr>
+                <a:srgbClr val="0070C0"/>
+              </a:buClr>
+              <a:buSzPct val="90000"/>
+              <a:buFont typeface="Arial" pitchFamily="34" charset="0"/>
+              <a:buChar char="•"/>
+              <a:defRPr sz="1800">
+                <a:solidFill>
+                  <a:schemeClr val="tx1"/>
+                </a:solidFill>
+                <a:latin typeface="Segoe UI" pitchFamily="34" charset="0"/>
+                <a:ea typeface="Segoe UI" pitchFamily="34" charset="0"/>
+                <a:cs typeface="Segoe UI" pitchFamily="34" charset="0"/>
+              </a:defRPr>
+            </a:lvl4pPr>
+            <a:lvl5pPr marL="1544638" indent="-168275" algn="l" rtl="0" eaLnBrk="1" fontAlgn="base" hangingPunct="1">
+              <a:lnSpc>
+                <a:spcPct val="100000"/>
+              </a:lnSpc>
+              <a:spcBef>
+                <a:spcPts val="600"/>
+              </a:spcBef>
+              <a:spcAft>
+                <a:spcPct val="0"/>
+              </a:spcAft>
+              <a:buClr>
+                <a:srgbClr val="0070C0"/>
+              </a:buClr>
+              <a:buSzPct val="90000"/>
+              <a:buFont typeface="Arial" pitchFamily="34" charset="0"/>
+              <a:buChar char="•"/>
+              <a:defRPr sz="1800">
+                <a:solidFill>
+                  <a:schemeClr val="tx1"/>
+                </a:solidFill>
+                <a:latin typeface="Segoe UI" pitchFamily="34" charset="0"/>
+                <a:ea typeface="Segoe UI" pitchFamily="34" charset="0"/>
+                <a:cs typeface="Segoe UI" pitchFamily="34" charset="0"/>
+              </a:defRPr>
+            </a:lvl5pPr>
+            <a:lvl6pPr marL="2001838" indent="-168275" algn="l" rtl="0" eaLnBrk="1" fontAlgn="base" hangingPunct="1">
+              <a:lnSpc>
+                <a:spcPct val="90000"/>
+              </a:lnSpc>
+              <a:spcBef>
+                <a:spcPct val="70000"/>
+              </a:spcBef>
+              <a:spcAft>
+                <a:spcPct val="0"/>
+              </a:spcAft>
+              <a:buClr>
+                <a:srgbClr val="2D4A6D"/>
+              </a:buClr>
+              <a:buSzPct val="90000"/>
+              <a:buChar char="•"/>
+              <a:defRPr sz="1600">
+                <a:solidFill>
+                  <a:schemeClr val="tx1"/>
+                </a:solidFill>
+                <a:latin typeface="+mn-lt"/>
+              </a:defRPr>
+            </a:lvl6pPr>
+            <a:lvl7pPr marL="2459038" indent="-168275" algn="l" rtl="0" eaLnBrk="1" fontAlgn="base" hangingPunct="1">
+              <a:lnSpc>
+                <a:spcPct val="90000"/>
+              </a:lnSpc>
+              <a:spcBef>
+                <a:spcPct val="70000"/>
+              </a:spcBef>
+              <a:spcAft>
+                <a:spcPct val="0"/>
+              </a:spcAft>
+              <a:buClr>
+                <a:srgbClr val="2D4A6D"/>
+              </a:buClr>
+              <a:buSzPct val="90000"/>
+              <a:buChar char="•"/>
+              <a:defRPr sz="1600">
+                <a:solidFill>
+                  <a:schemeClr val="tx1"/>
+                </a:solidFill>
+                <a:latin typeface="+mn-lt"/>
+              </a:defRPr>
+            </a:lvl7pPr>
+            <a:lvl8pPr marL="2916238" indent="-168275" algn="l" rtl="0" eaLnBrk="1" fontAlgn="base" hangingPunct="1">
+              <a:lnSpc>
+                <a:spcPct val="90000"/>
+              </a:lnSpc>
+              <a:spcBef>
+                <a:spcPct val="70000"/>
+              </a:spcBef>
+              <a:spcAft>
+                <a:spcPct val="0"/>
+              </a:spcAft>
+              <a:buClr>
+                <a:srgbClr val="2D4A6D"/>
+              </a:buClr>
+              <a:buSzPct val="90000"/>
+              <a:buChar char="•"/>
+              <a:defRPr sz="1600">
+                <a:solidFill>
+                  <a:schemeClr val="tx1"/>
+                </a:solidFill>
+                <a:latin typeface="+mn-lt"/>
+              </a:defRPr>
+            </a:lvl8pPr>
+            <a:lvl9pPr marL="3373438" indent="-168275" algn="l" rtl="0" eaLnBrk="1" fontAlgn="base" hangingPunct="1">
+              <a:lnSpc>
+                <a:spcPct val="90000"/>
+              </a:lnSpc>
+              <a:spcBef>
+                <a:spcPct val="70000"/>
+              </a:spcBef>
+              <a:spcAft>
+                <a:spcPct val="0"/>
+              </a:spcAft>
+              <a:buClr>
+                <a:srgbClr val="2D4A6D"/>
+              </a:buClr>
+              <a:buSzPct val="90000"/>
+              <a:buChar char="•"/>
+              <a:defRPr sz="1600">
+                <a:solidFill>
+                  <a:schemeClr val="tx1"/>
+                </a:solidFill>
+                <a:latin typeface="+mn-lt"/>
+              </a:defRPr>
+            </a:lvl9pPr>
+          </a:lstStyle>
+          <a:p>
+            <a:pPr lvl="0"/>
+            <a:r>
+              <a:rPr lang="en-US" b="0" kern="0">
+                <a:solidFill>
+                  <a:srgbClr val="000000"/>
+                </a:solidFill>
+              </a:rPr>
               <a:t>Application Insights is a analytics and monitoring service available for your applications</a:t>
             </a:r>
           </a:p>
@@ -19246,7 +19970,7 @@
 </p:sld>
 </file>
 
-<file path=ppt/slides/slide16.xml><?xml version="1.0" encoding="utf-8"?>
+<file path=ppt/slides/slide18.xml><?xml version="1.0" encoding="utf-8"?>
 <p:sld xmlns:a="http://schemas.openxmlformats.org/drawingml/2006/main" xmlns:r="http://schemas.openxmlformats.org/officeDocument/2006/relationships" xmlns:p="http://schemas.openxmlformats.org/presentationml/2006/main">
   <p:cSld name="d0ae115b-ba7f-496f-ac08-ac9fae0893eb">
     <p:spTree>
@@ -19580,8 +20304,8 @@
 </p:sld>
 </file>
 
-<file path=ppt/slides/slide17.xml><?xml version="1.0" encoding="utf-8"?>
-<p:sld xmlns:a="http://schemas.openxmlformats.org/drawingml/2006/main" xmlns:r="http://schemas.openxmlformats.org/officeDocument/2006/relationships" xmlns:p="http://schemas.openxmlformats.org/presentationml/2006/main">
+<file path=ppt/slides/slide19.xml><?xml version="1.0" encoding="utf-8"?>
+<p:sld xmlns:a="http://schemas.openxmlformats.org/drawingml/2006/main" xmlns:r="http://schemas.openxmlformats.org/officeDocument/2006/relationships" xmlns:p="http://schemas.openxmlformats.org/presentationml/2006/main" show="0">
   <p:cSld name="01cb8ed5-f6d4-445f-a140-d9d580a17331">
     <p:spTree>
       <p:nvGrpSpPr>
@@ -19919,7 +20643,109 @@
 </p:sld>
 </file>
 
-<file path=ppt/slides/slide18.xml><?xml version="1.0" encoding="utf-8"?>
+<file path=ppt/slides/slide2.xml><?xml version="1.0" encoding="utf-8"?>
+<p:sld xmlns:a="http://schemas.openxmlformats.org/drawingml/2006/main" xmlns:r="http://schemas.openxmlformats.org/officeDocument/2006/relationships" xmlns:p="http://schemas.openxmlformats.org/presentationml/2006/main">
+  <p:cSld>
+    <p:spTree>
+      <p:nvGrpSpPr>
+        <p:cNvPr id="1" name=""/>
+        <p:cNvGrpSpPr/>
+        <p:nvPr/>
+      </p:nvGrpSpPr>
+      <p:grpSpPr>
+        <a:xfrm>
+          <a:off x="0" y="0"/>
+          <a:ext cx="0" cy="0"/>
+          <a:chOff x="0" y="0"/>
+          <a:chExt cx="0" cy="0"/>
+        </a:xfrm>
+      </p:grpSpPr>
+      <p:sp>
+        <p:nvSpPr>
+          <p:cNvPr id="2" name="Titel 1">
+            <a:extLst>
+              <a:ext uri="{FF2B5EF4-FFF2-40B4-BE49-F238E27FC236}">
+                <a16:creationId xmlns:a16="http://schemas.microsoft.com/office/drawing/2014/main" id="{8EB24180-AF08-43F3-8EF8-AF03003B2B2D}"/>
+              </a:ext>
+            </a:extLst>
+          </p:cNvPr>
+          <p:cNvSpPr>
+            <a:spLocks noGrp="1"/>
+          </p:cNvSpPr>
+          <p:nvPr>
+            <p:ph type="title"/>
+          </p:nvPr>
+        </p:nvSpPr>
+        <p:spPr/>
+        <p:txBody>
+          <a:bodyPr/>
+          <a:lstStyle/>
+          <a:p>
+            <a:r>
+              <a:rPr lang="da-DK" dirty="0"/>
+              <a:t> Design Patterns</a:t>
+            </a:r>
+          </a:p>
+        </p:txBody>
+      </p:sp>
+      <p:sp>
+        <p:nvSpPr>
+          <p:cNvPr id="3" name="Pladsholder til indhold 2">
+            <a:extLst>
+              <a:ext uri="{FF2B5EF4-FFF2-40B4-BE49-F238E27FC236}">
+                <a16:creationId xmlns:a16="http://schemas.microsoft.com/office/drawing/2014/main" id="{0AD644E7-B49F-4C42-B27E-597B17A87D38}"/>
+              </a:ext>
+            </a:extLst>
+          </p:cNvPr>
+          <p:cNvSpPr>
+            <a:spLocks noGrp="1"/>
+          </p:cNvSpPr>
+          <p:nvPr>
+            <p:ph idx="1"/>
+          </p:nvPr>
+        </p:nvSpPr>
+        <p:spPr/>
+        <p:txBody>
+          <a:bodyPr/>
+          <a:lstStyle/>
+          <a:p>
+            <a:endParaRPr lang="da-DK" dirty="0">
+              <a:hlinkClick r:id="rId2"/>
+            </a:endParaRPr>
+          </a:p>
+          <a:p>
+            <a:endParaRPr lang="da-DK" dirty="0">
+              <a:hlinkClick r:id="rId2"/>
+            </a:endParaRPr>
+          </a:p>
+          <a:p>
+            <a:r>
+              <a:rPr lang="da-DK" dirty="0">
+                <a:hlinkClick r:id="rId2"/>
+              </a:rPr>
+              <a:t>https://github.com/mspnp/architecture-center/blob/master/docs/patterns/index.md</a:t>
+            </a:r>
+            <a:endParaRPr lang="da-DK" dirty="0"/>
+          </a:p>
+          <a:p>
+            <a:endParaRPr lang="da-DK" dirty="0"/>
+          </a:p>
+        </p:txBody>
+      </p:sp>
+    </p:spTree>
+    <p:extLst>
+      <p:ext uri="{BB962C8B-B14F-4D97-AF65-F5344CB8AC3E}">
+        <p14:creationId xmlns:p14="http://schemas.microsoft.com/office/powerpoint/2010/main" val="2025880758"/>
+      </p:ext>
+    </p:extLst>
+  </p:cSld>
+  <p:clrMapOvr>
+    <a:masterClrMapping/>
+  </p:clrMapOvr>
+</p:sld>
+</file>
+
+<file path=ppt/slides/slide20.xml><?xml version="1.0" encoding="utf-8"?>
 <p:sld xmlns:a="http://schemas.openxmlformats.org/drawingml/2006/main" xmlns:r="http://schemas.openxmlformats.org/officeDocument/2006/relationships" xmlns:p="http://schemas.openxmlformats.org/presentationml/2006/main">
   <p:cSld name="5519e9d4-6aca-488a-83ff-34891af5888c">
     <p:spTree>
@@ -19996,7 +20822,7 @@
 </p:sld>
 </file>
 
-<file path=ppt/slides/slide19.xml><?xml version="1.0" encoding="utf-8"?>
+<file path=ppt/slides/slide21.xml><?xml version="1.0" encoding="utf-8"?>
 <p:sld xmlns:a="http://schemas.openxmlformats.org/drawingml/2006/main" xmlns:r="http://schemas.openxmlformats.org/officeDocument/2006/relationships" xmlns:p="http://schemas.openxmlformats.org/presentationml/2006/main">
   <p:cSld name="52d25c6f-c178-4023-9ed6-50d1b595041e">
     <p:spTree>
@@ -20355,85 +21181,7 @@
 </p:sld>
 </file>
 
-<file path=ppt/slides/slide2.xml><?xml version="1.0" encoding="utf-8"?>
-<p:sld xmlns:a="http://schemas.openxmlformats.org/drawingml/2006/main" xmlns:r="http://schemas.openxmlformats.org/officeDocument/2006/relationships" xmlns:p="http://schemas.openxmlformats.org/presentationml/2006/main">
-  <p:cSld name="2de11403-5404-4120-b9dc-cc323a9c3b04">
-    <p:spTree>
-      <p:nvGrpSpPr>
-        <p:cNvPr id="1" name=""/>
-        <p:cNvGrpSpPr/>
-        <p:nvPr/>
-      </p:nvGrpSpPr>
-      <p:grpSpPr>
-        <a:xfrm>
-          <a:off x="0" y="0"/>
-          <a:ext cx="0" cy="0"/>
-          <a:chOff x="0" y="0"/>
-          <a:chExt cx="0" cy="0"/>
-        </a:xfrm>
-      </p:grpSpPr>
-      <p:sp>
-        <p:nvSpPr>
-          <p:cNvPr id="2" name="Title 1"/>
-          <p:cNvSpPr>
-            <a:spLocks noGrp="1"/>
-          </p:cNvSpPr>
-          <p:nvPr>
-            <p:ph type="title"/>
-          </p:nvPr>
-        </p:nvSpPr>
-        <p:spPr/>
-        <p:txBody>
-          <a:bodyPr/>
-          <a:lstStyle/>
-          <a:p>
-            <a:r>
-              <a:rPr lang="en-US"/>
-              <a:t>Module Overview</a:t>
-            </a:r>
-          </a:p>
-        </p:txBody>
-      </p:sp>
-      <p:sp>
-        <p:nvSpPr>
-          <p:cNvPr id="3" name="Text Placeholder 2"/>
-          <p:cNvSpPr>
-            <a:spLocks noGrp="1"/>
-          </p:cNvSpPr>
-          <p:nvPr>
-            <p:ph type="body" idx="1"/>
-          </p:nvPr>
-        </p:nvSpPr>
-        <p:spPr/>
-        <p:txBody>
-          <a:bodyPr/>
-          <a:lstStyle/>
-          <a:p>
-            <a:r>
-              <a:rPr lang="en-US"/>
-              <a:t>Application Design Practices for Highly Available Applications
-Application Analytics
-Building High Performance Applications by Using ASP.NET
-Common Cloud Application Patterns
-Caching Application Data</a:t>
-            </a:r>
-          </a:p>
-        </p:txBody>
-      </p:sp>
-    </p:spTree>
-    <p:extLst>
-      <p:ext uri="{BB962C8B-B14F-4D97-AF65-F5344CB8AC3E}">
-        <p14:creationId xmlns:p14="http://schemas.microsoft.com/office/powerpoint/2010/main" val="2371814698"/>
-      </p:ext>
-    </p:extLst>
-  </p:cSld>
-  <p:clrMapOvr>
-    <a:masterClrMapping/>
-  </p:clrMapOvr>
-</p:sld>
-</file>
-
-<file path=ppt/slides/slide20.xml><?xml version="1.0" encoding="utf-8"?>
+<file path=ppt/slides/slide22.xml><?xml version="1.0" encoding="utf-8"?>
 <p:sld xmlns:a="http://schemas.openxmlformats.org/drawingml/2006/main" xmlns:r="http://schemas.openxmlformats.org/officeDocument/2006/relationships" xmlns:p="http://schemas.openxmlformats.org/presentationml/2006/main">
   <p:cSld name="afe04e08-b085-4dc8-9fab-e57b11d28ede">
     <p:spTree>
@@ -20770,7 +21518,7 @@
 </p:sld>
 </file>
 
-<file path=ppt/slides/slide21.xml><?xml version="1.0" encoding="utf-8"?>
+<file path=ppt/slides/slide23.xml><?xml version="1.0" encoding="utf-8"?>
 <p:sld xmlns:a="http://schemas.openxmlformats.org/drawingml/2006/main" xmlns:r="http://schemas.openxmlformats.org/officeDocument/2006/relationships" xmlns:p="http://schemas.openxmlformats.org/presentationml/2006/main">
   <p:cSld name="cbaf14bf-b870-475b-b06d-496e8f8413a9">
     <p:spTree>
@@ -21422,7 +22170,7 @@
 </p:sld>
 </file>
 
-<file path=ppt/slides/slide22.xml><?xml version="1.0" encoding="utf-8"?>
+<file path=ppt/slides/slide24.xml><?xml version="1.0" encoding="utf-8"?>
 <p:sld xmlns:a="http://schemas.openxmlformats.org/drawingml/2006/main" xmlns:r="http://schemas.openxmlformats.org/officeDocument/2006/relationships" xmlns:p="http://schemas.openxmlformats.org/presentationml/2006/main">
   <p:cSld name="65d1f3ed-4ce4-45ae-aaea-50e6447050b5">
     <p:spTree>
@@ -21781,7 +22529,7 @@
 </p:sld>
 </file>
 
-<file path=ppt/slides/slide23.xml><?xml version="1.0" encoding="utf-8"?>
+<file path=ppt/slides/slide25.xml><?xml version="1.0" encoding="utf-8"?>
 <p:sld xmlns:a="http://schemas.openxmlformats.org/drawingml/2006/main" xmlns:r="http://schemas.openxmlformats.org/officeDocument/2006/relationships" xmlns:p="http://schemas.openxmlformats.org/presentationml/2006/main">
   <p:cSld name="59803ad3-332e-4364-9307-825bc724efc1">
     <p:spTree>
@@ -21857,7 +22605,7 @@
 </p:sld>
 </file>
 
-<file path=ppt/slides/slide24.xml><?xml version="1.0" encoding="utf-8"?>
+<file path=ppt/slides/slide26.xml><?xml version="1.0" encoding="utf-8"?>
 <p:sld xmlns:a="http://schemas.openxmlformats.org/drawingml/2006/main" xmlns:r="http://schemas.openxmlformats.org/officeDocument/2006/relationships" xmlns:p="http://schemas.openxmlformats.org/presentationml/2006/main">
   <p:cSld name="684553d2-d301-40a7-80fa-d153bc78760a">
     <p:spTree>
@@ -22205,7 +22953,7 @@
 </p:sld>
 </file>
 
-<file path=ppt/slides/slide25.xml><?xml version="1.0" encoding="utf-8"?>
+<file path=ppt/slides/slide27.xml><?xml version="1.0" encoding="utf-8"?>
 <p:sld xmlns:a="http://schemas.openxmlformats.org/drawingml/2006/main" xmlns:r="http://schemas.openxmlformats.org/officeDocument/2006/relationships" xmlns:p="http://schemas.openxmlformats.org/presentationml/2006/main">
   <p:cSld name="46bc6441-74ea-456f-a24b-e5537bdd0225">
     <p:spTree>
@@ -22553,7 +23301,7 @@
 </p:sld>
 </file>
 
-<file path=ppt/slides/slide26.xml><?xml version="1.0" encoding="utf-8"?>
+<file path=ppt/slides/slide28.xml><?xml version="1.0" encoding="utf-8"?>
 <p:sld xmlns:a="http://schemas.openxmlformats.org/drawingml/2006/main" xmlns:r="http://schemas.openxmlformats.org/officeDocument/2006/relationships" xmlns:p="http://schemas.openxmlformats.org/presentationml/2006/main">
   <p:cSld name="a6c76611-ef82-4013-a073-fbe7bd138f00">
     <p:spTree>
@@ -22958,7 +23706,7 @@
 </p:sld>
 </file>
 
-<file path=ppt/slides/slide27.xml><?xml version="1.0" encoding="utf-8"?>
+<file path=ppt/slides/slide29.xml><?xml version="1.0" encoding="utf-8"?>
 <p:sld xmlns:a="http://schemas.openxmlformats.org/drawingml/2006/main" xmlns:r="http://schemas.openxmlformats.org/officeDocument/2006/relationships" xmlns:p="http://schemas.openxmlformats.org/presentationml/2006/main">
   <p:cSld name="01170552-122c-40f9-b191-6f18768e28c8">
     <p:spTree>
@@ -23055,7 +23803,114 @@
 </p:sld>
 </file>
 
-<file path=ppt/slides/slide28.xml><?xml version="1.0" encoding="utf-8"?>
+<file path=ppt/slides/slide3.xml><?xml version="1.0" encoding="utf-8"?>
+<p:sld xmlns:a="http://schemas.openxmlformats.org/drawingml/2006/main" xmlns:r="http://schemas.openxmlformats.org/officeDocument/2006/relationships" xmlns:p="http://schemas.openxmlformats.org/presentationml/2006/main">
+  <p:cSld>
+    <p:spTree>
+      <p:nvGrpSpPr>
+        <p:cNvPr id="1" name=""/>
+        <p:cNvGrpSpPr/>
+        <p:nvPr/>
+      </p:nvGrpSpPr>
+      <p:grpSpPr>
+        <a:xfrm>
+          <a:off x="0" y="0"/>
+          <a:ext cx="0" cy="0"/>
+          <a:chOff x="0" y="0"/>
+          <a:chExt cx="0" cy="0"/>
+        </a:xfrm>
+      </p:grpSpPr>
+      <p:sp>
+        <p:nvSpPr>
+          <p:cNvPr id="2" name="Titel 1">
+            <a:extLst>
+              <a:ext uri="{FF2B5EF4-FFF2-40B4-BE49-F238E27FC236}">
+                <a16:creationId xmlns:a16="http://schemas.microsoft.com/office/drawing/2014/main" id="{F1E1478B-6C2F-4A59-8D47-6860E2731E86}"/>
+              </a:ext>
+            </a:extLst>
+          </p:cNvPr>
+          <p:cNvSpPr>
+            <a:spLocks noGrp="1"/>
+          </p:cNvSpPr>
+          <p:nvPr>
+            <p:ph type="title"/>
+          </p:nvPr>
+        </p:nvSpPr>
+        <p:spPr/>
+        <p:txBody>
+          <a:bodyPr/>
+          <a:lstStyle/>
+          <a:p>
+            <a:r>
+              <a:rPr lang="da-DK" dirty="0"/>
+              <a:t>Application Architectures</a:t>
+            </a:r>
+          </a:p>
+        </p:txBody>
+      </p:sp>
+      <p:sp>
+        <p:nvSpPr>
+          <p:cNvPr id="3" name="Pladsholder til indhold 2">
+            <a:extLst>
+              <a:ext uri="{FF2B5EF4-FFF2-40B4-BE49-F238E27FC236}">
+                <a16:creationId xmlns:a16="http://schemas.microsoft.com/office/drawing/2014/main" id="{E4B4899F-3B5B-4B19-B8B6-16C7B904F092}"/>
+              </a:ext>
+            </a:extLst>
+          </p:cNvPr>
+          <p:cNvSpPr>
+            <a:spLocks noGrp="1"/>
+          </p:cNvSpPr>
+          <p:nvPr>
+            <p:ph idx="1"/>
+          </p:nvPr>
+        </p:nvSpPr>
+        <p:spPr/>
+        <p:txBody>
+          <a:bodyPr/>
+          <a:lstStyle/>
+          <a:p>
+            <a:endParaRPr lang="da-DK" sz="2000" dirty="0">
+              <a:hlinkClick r:id="rId2"/>
+            </a:endParaRPr>
+          </a:p>
+          <a:p>
+            <a:endParaRPr lang="da-DK" sz="2000" dirty="0">
+              <a:hlinkClick r:id="rId2"/>
+            </a:endParaRPr>
+          </a:p>
+          <a:p>
+            <a:endParaRPr lang="da-DK" sz="2000" dirty="0">
+              <a:hlinkClick r:id="rId2"/>
+            </a:endParaRPr>
+          </a:p>
+          <a:p>
+            <a:r>
+              <a:rPr lang="da-DK" sz="2000" dirty="0">
+                <a:hlinkClick r:id="rId2"/>
+              </a:rPr>
+              <a:t>http://learning-azure.azurewebsites.net/application-architecture/</a:t>
+            </a:r>
+            <a:endParaRPr lang="da-DK" sz="2000" dirty="0"/>
+          </a:p>
+          <a:p>
+            <a:endParaRPr lang="da-DK" dirty="0"/>
+          </a:p>
+        </p:txBody>
+      </p:sp>
+    </p:spTree>
+    <p:extLst>
+      <p:ext uri="{BB962C8B-B14F-4D97-AF65-F5344CB8AC3E}">
+        <p14:creationId xmlns:p14="http://schemas.microsoft.com/office/powerpoint/2010/main" val="455146512"/>
+      </p:ext>
+    </p:extLst>
+  </p:cSld>
+  <p:clrMapOvr>
+    <a:masterClrMapping/>
+  </p:clrMapOvr>
+</p:sld>
+</file>
+
+<file path=ppt/slides/slide30.xml><?xml version="1.0" encoding="utf-8"?>
 <p:sld xmlns:a="http://schemas.openxmlformats.org/drawingml/2006/main" xmlns:r="http://schemas.openxmlformats.org/officeDocument/2006/relationships" xmlns:p="http://schemas.openxmlformats.org/presentationml/2006/main">
   <p:cSld name="85b844a2-6e57-4928-99bf-15db1dd8befd">
     <p:spTree>
@@ -23512,7 +24367,7 @@
 </p:sld>
 </file>
 
-<file path=ppt/slides/slide29.xml><?xml version="1.0" encoding="utf-8"?>
+<file path=ppt/slides/slide31.xml><?xml version="1.0" encoding="utf-8"?>
 <p:sld xmlns:a="http://schemas.openxmlformats.org/drawingml/2006/main" xmlns:r="http://schemas.openxmlformats.org/officeDocument/2006/relationships" xmlns:p="http://schemas.openxmlformats.org/presentationml/2006/main">
   <p:cSld name="bc7c45e7-189a-4a83-904a-e236675f1ef1">
     <p:spTree>
@@ -23586,84 +24441,7 @@
 </p:sld>
 </file>
 
-<file path=ppt/slides/slide3.xml><?xml version="1.0" encoding="utf-8"?>
-<p:sld xmlns:a="http://schemas.openxmlformats.org/drawingml/2006/main" xmlns:r="http://schemas.openxmlformats.org/officeDocument/2006/relationships" xmlns:p="http://schemas.openxmlformats.org/presentationml/2006/main">
-  <p:cSld name="928a0490-1281-45c5-84fe-a78eda3c30df">
-    <p:spTree>
-      <p:nvGrpSpPr>
-        <p:cNvPr id="1" name=""/>
-        <p:cNvGrpSpPr/>
-        <p:nvPr/>
-      </p:nvGrpSpPr>
-      <p:grpSpPr>
-        <a:xfrm>
-          <a:off x="0" y="0"/>
-          <a:ext cx="0" cy="0"/>
-          <a:chOff x="0" y="0"/>
-          <a:chExt cx="0" cy="0"/>
-        </a:xfrm>
-      </p:grpSpPr>
-      <p:sp>
-        <p:nvSpPr>
-          <p:cNvPr id="2" name="Title 1"/>
-          <p:cNvSpPr>
-            <a:spLocks noGrp="1"/>
-          </p:cNvSpPr>
-          <p:nvPr>
-            <p:ph type="title"/>
-          </p:nvPr>
-        </p:nvSpPr>
-        <p:spPr/>
-        <p:txBody>
-          <a:bodyPr/>
-          <a:lstStyle/>
-          <a:p>
-            <a:r>
-              <a:rPr lang="en-US"/>
-              <a:t>Lesson 1: Application Design Practices for Highly Available Applications</a:t>
-            </a:r>
-          </a:p>
-        </p:txBody>
-      </p:sp>
-      <p:sp>
-        <p:nvSpPr>
-          <p:cNvPr id="3" name="Text Placeholder 2"/>
-          <p:cNvSpPr>
-            <a:spLocks noGrp="1"/>
-          </p:cNvSpPr>
-          <p:nvPr>
-            <p:ph type="body" idx="1"/>
-          </p:nvPr>
-        </p:nvSpPr>
-        <p:spPr/>
-        <p:txBody>
-          <a:bodyPr/>
-          <a:lstStyle/>
-          <a:p>
-            <a:r>
-              <a:rPr lang="en-US"/>
-              <a:t>Partitioning Workloads
-Load Balancing
-Transient Fault Handling
-Queues</a:t>
-            </a:r>
-          </a:p>
-        </p:txBody>
-      </p:sp>
-    </p:spTree>
-    <p:extLst>
-      <p:ext uri="{BB962C8B-B14F-4D97-AF65-F5344CB8AC3E}">
-        <p14:creationId xmlns:p14="http://schemas.microsoft.com/office/powerpoint/2010/main" val="2529200164"/>
-      </p:ext>
-    </p:extLst>
-  </p:cSld>
-  <p:clrMapOvr>
-    <a:masterClrMapping/>
-  </p:clrMapOvr>
-</p:sld>
-</file>
-
-<file path=ppt/slides/slide30.xml><?xml version="1.0" encoding="utf-8"?>
+<file path=ppt/slides/slide32.xml><?xml version="1.0" encoding="utf-8"?>
 <p:sld xmlns:a="http://schemas.openxmlformats.org/drawingml/2006/main" xmlns:r="http://schemas.openxmlformats.org/officeDocument/2006/relationships" xmlns:p="http://schemas.openxmlformats.org/presentationml/2006/main">
   <p:cSld name="1e3b25bd-c5cf-4f3a-921b-85981c473636">
     <p:spTree>
@@ -24041,7 +24819,7 @@
 </p:sld>
 </file>
 
-<file path=ppt/slides/slide31.xml><?xml version="1.0" encoding="utf-8"?>
+<file path=ppt/slides/slide33.xml><?xml version="1.0" encoding="utf-8"?>
 <p:sld xmlns:a="http://schemas.openxmlformats.org/drawingml/2006/main" xmlns:r="http://schemas.openxmlformats.org/officeDocument/2006/relationships" xmlns:p="http://schemas.openxmlformats.org/presentationml/2006/main">
   <p:cSld name="Module_Review">
     <p:spTree>
@@ -24116,6 +24894,161 @@
 </file>
 
 <file path=ppt/slides/slide4.xml><?xml version="1.0" encoding="utf-8"?>
+<p:sld xmlns:a="http://schemas.openxmlformats.org/drawingml/2006/main" xmlns:r="http://schemas.openxmlformats.org/officeDocument/2006/relationships" xmlns:p="http://schemas.openxmlformats.org/presentationml/2006/main">
+  <p:cSld name="2de11403-5404-4120-b9dc-cc323a9c3b04">
+    <p:spTree>
+      <p:nvGrpSpPr>
+        <p:cNvPr id="1" name=""/>
+        <p:cNvGrpSpPr/>
+        <p:nvPr/>
+      </p:nvGrpSpPr>
+      <p:grpSpPr>
+        <a:xfrm>
+          <a:off x="0" y="0"/>
+          <a:ext cx="0" cy="0"/>
+          <a:chOff x="0" y="0"/>
+          <a:chExt cx="0" cy="0"/>
+        </a:xfrm>
+      </p:grpSpPr>
+      <p:sp>
+        <p:nvSpPr>
+          <p:cNvPr id="2" name="Title 1"/>
+          <p:cNvSpPr>
+            <a:spLocks noGrp="1"/>
+          </p:cNvSpPr>
+          <p:nvPr>
+            <p:ph type="title"/>
+          </p:nvPr>
+        </p:nvSpPr>
+        <p:spPr/>
+        <p:txBody>
+          <a:bodyPr/>
+          <a:lstStyle/>
+          <a:p>
+            <a:r>
+              <a:rPr lang="en-US"/>
+              <a:t>Module Overview</a:t>
+            </a:r>
+          </a:p>
+        </p:txBody>
+      </p:sp>
+      <p:sp>
+        <p:nvSpPr>
+          <p:cNvPr id="3" name="Text Placeholder 2"/>
+          <p:cNvSpPr>
+            <a:spLocks noGrp="1"/>
+          </p:cNvSpPr>
+          <p:nvPr>
+            <p:ph type="body" idx="1"/>
+          </p:nvPr>
+        </p:nvSpPr>
+        <p:spPr/>
+        <p:txBody>
+          <a:bodyPr/>
+          <a:lstStyle/>
+          <a:p>
+            <a:r>
+              <a:rPr lang="en-US"/>
+              <a:t>Application Design Practices for Highly Available Applications
+Application Analytics
+Building High Performance Applications by Using ASP.NET
+Common Cloud Application Patterns
+Caching Application Data</a:t>
+            </a:r>
+          </a:p>
+        </p:txBody>
+      </p:sp>
+    </p:spTree>
+    <p:extLst>
+      <p:ext uri="{BB962C8B-B14F-4D97-AF65-F5344CB8AC3E}">
+        <p14:creationId xmlns:p14="http://schemas.microsoft.com/office/powerpoint/2010/main" val="2371814698"/>
+      </p:ext>
+    </p:extLst>
+  </p:cSld>
+  <p:clrMapOvr>
+    <a:masterClrMapping/>
+  </p:clrMapOvr>
+</p:sld>
+</file>
+
+<file path=ppt/slides/slide5.xml><?xml version="1.0" encoding="utf-8"?>
+<p:sld xmlns:a="http://schemas.openxmlformats.org/drawingml/2006/main" xmlns:r="http://schemas.openxmlformats.org/officeDocument/2006/relationships" xmlns:p="http://schemas.openxmlformats.org/presentationml/2006/main">
+  <p:cSld name="928a0490-1281-45c5-84fe-a78eda3c30df">
+    <p:spTree>
+      <p:nvGrpSpPr>
+        <p:cNvPr id="1" name=""/>
+        <p:cNvGrpSpPr/>
+        <p:nvPr/>
+      </p:nvGrpSpPr>
+      <p:grpSpPr>
+        <a:xfrm>
+          <a:off x="0" y="0"/>
+          <a:ext cx="0" cy="0"/>
+          <a:chOff x="0" y="0"/>
+          <a:chExt cx="0" cy="0"/>
+        </a:xfrm>
+      </p:grpSpPr>
+      <p:sp>
+        <p:nvSpPr>
+          <p:cNvPr id="2" name="Title 1"/>
+          <p:cNvSpPr>
+            <a:spLocks noGrp="1"/>
+          </p:cNvSpPr>
+          <p:nvPr>
+            <p:ph type="title"/>
+          </p:nvPr>
+        </p:nvSpPr>
+        <p:spPr/>
+        <p:txBody>
+          <a:bodyPr/>
+          <a:lstStyle/>
+          <a:p>
+            <a:r>
+              <a:rPr lang="en-US"/>
+              <a:t>Lesson 1: Application Design Practices for Highly Available Applications</a:t>
+            </a:r>
+          </a:p>
+        </p:txBody>
+      </p:sp>
+      <p:sp>
+        <p:nvSpPr>
+          <p:cNvPr id="3" name="Text Placeholder 2"/>
+          <p:cNvSpPr>
+            <a:spLocks noGrp="1"/>
+          </p:cNvSpPr>
+          <p:nvPr>
+            <p:ph type="body" idx="1"/>
+          </p:nvPr>
+        </p:nvSpPr>
+        <p:spPr/>
+        <p:txBody>
+          <a:bodyPr/>
+          <a:lstStyle/>
+          <a:p>
+            <a:r>
+              <a:rPr lang="en-US"/>
+              <a:t>Partitioning Workloads
+Load Balancing
+Transient Fault Handling
+Queues</a:t>
+            </a:r>
+          </a:p>
+        </p:txBody>
+      </p:sp>
+    </p:spTree>
+    <p:extLst>
+      <p:ext uri="{BB962C8B-B14F-4D97-AF65-F5344CB8AC3E}">
+        <p14:creationId xmlns:p14="http://schemas.microsoft.com/office/powerpoint/2010/main" val="2529200164"/>
+      </p:ext>
+    </p:extLst>
+  </p:cSld>
+  <p:clrMapOvr>
+    <a:masterClrMapping/>
+  </p:clrMapOvr>
+</p:sld>
+</file>
+
+<file path=ppt/slides/slide6.xml><?xml version="1.0" encoding="utf-8"?>
 <p:sld xmlns:a="http://schemas.openxmlformats.org/drawingml/2006/main" xmlns:r="http://schemas.openxmlformats.org/officeDocument/2006/relationships" xmlns:p="http://schemas.openxmlformats.org/presentationml/2006/main">
   <p:cSld name="6b815f6b-9c51-4f3a-803e-ecd54c9b54aa">
     <p:spTree>
@@ -24452,7 +25385,7 @@
 </p:sld>
 </file>
 
-<file path=ppt/slides/slide5.xml><?xml version="1.0" encoding="utf-8"?>
+<file path=ppt/slides/slide7.xml><?xml version="1.0" encoding="utf-8"?>
 <p:sld xmlns:a="http://schemas.openxmlformats.org/drawingml/2006/main" xmlns:r="http://schemas.openxmlformats.org/officeDocument/2006/relationships" xmlns:p="http://schemas.openxmlformats.org/presentationml/2006/main">
   <p:cSld name="f2df5e0a-d099-4781-b060-3780dffdb850">
     <p:spTree>
@@ -24791,7 +25724,7 @@
 </p:sld>
 </file>
 
-<file path=ppt/slides/slide6.xml><?xml version="1.0" encoding="utf-8"?>
+<file path=ppt/slides/slide8.xml><?xml version="1.0" encoding="utf-8"?>
 <p:sld xmlns:a="http://schemas.openxmlformats.org/drawingml/2006/main" xmlns:r="http://schemas.openxmlformats.org/officeDocument/2006/relationships" xmlns:p="http://schemas.openxmlformats.org/presentationml/2006/main">
   <p:cSld name="e37ee59c-c848-401c-97ad-6ad7abf9ce2a">
     <p:spTree>
@@ -25128,7 +26061,7 @@
 </p:sld>
 </file>
 
-<file path=ppt/slides/slide7.xml><?xml version="1.0" encoding="utf-8"?>
+<file path=ppt/slides/slide9.xml><?xml version="1.0" encoding="utf-8"?>
 <p:sld xmlns:a="http://schemas.openxmlformats.org/drawingml/2006/main" xmlns:r="http://schemas.openxmlformats.org/officeDocument/2006/relationships" xmlns:p="http://schemas.openxmlformats.org/presentationml/2006/main">
   <p:cSld name="e380aee7-0656-4ead-b93f-343d09165f81">
     <p:spTree>
@@ -25512,724 +26445,6 @@
     <p:extLst>
       <p:ext uri="{BB962C8B-B14F-4D97-AF65-F5344CB8AC3E}">
         <p14:creationId xmlns:p14="http://schemas.microsoft.com/office/powerpoint/2010/main" val="2405847456"/>
-      </p:ext>
-    </p:extLst>
-  </p:cSld>
-  <p:clrMapOvr>
-    <a:masterClrMapping/>
-  </p:clrMapOvr>
-</p:sld>
-</file>
-
-<file path=ppt/slides/slide8.xml><?xml version="1.0" encoding="utf-8"?>
-<p:sld xmlns:a="http://schemas.openxmlformats.org/drawingml/2006/main" xmlns:r="http://schemas.openxmlformats.org/officeDocument/2006/relationships" xmlns:p="http://schemas.openxmlformats.org/presentationml/2006/main">
-  <p:cSld name="4c7c886d-73c1-43ae-971e-b0e8137cf9c8">
-    <p:spTree>
-      <p:nvGrpSpPr>
-        <p:cNvPr id="1" name=""/>
-        <p:cNvGrpSpPr/>
-        <p:nvPr/>
-      </p:nvGrpSpPr>
-      <p:grpSpPr>
-        <a:xfrm>
-          <a:off x="0" y="0"/>
-          <a:ext cx="0" cy="0"/>
-          <a:chOff x="0" y="0"/>
-          <a:chExt cx="0" cy="0"/>
-        </a:xfrm>
-      </p:grpSpPr>
-      <p:sp>
-        <p:nvSpPr>
-          <p:cNvPr id="2" name="Title 1"/>
-          <p:cNvSpPr>
-            <a:spLocks noGrp="1"/>
-          </p:cNvSpPr>
-          <p:nvPr>
-            <p:ph type="title"/>
-          </p:nvPr>
-        </p:nvSpPr>
-        <p:spPr/>
-        <p:txBody>
-          <a:bodyPr/>
-          <a:lstStyle/>
-          <a:p>
-            <a:r>
-              <a:rPr lang="en-US"/>
-              <a:t>Load Balancing</a:t>
-            </a:r>
-          </a:p>
-        </p:txBody>
-      </p:sp>
-      <p:sp>
-        <p:nvSpPr>
-          <p:cNvPr id="4" name="Content Placeholder 2"/>
-          <p:cNvSpPr txBox="1">
-            <a:spLocks/>
-          </p:cNvSpPr>
-          <p:nvPr/>
-        </p:nvSpPr>
-        <p:spPr>
-          <a:xfrm>
-            <a:off x="458788" y="1021215"/>
-            <a:ext cx="8119156" cy="5147356"/>
-          </a:xfrm>
-          <a:prstGeom prst="rect">
-            <a:avLst/>
-          </a:prstGeom>
-        </p:spPr>
-        <p:txBody>
-          <a:bodyPr/>
-          <a:lstStyle>
-            <a:lvl1pPr marL="174625" indent="-174625" algn="l" rtl="0" eaLnBrk="1" fontAlgn="base" hangingPunct="1">
-              <a:lnSpc>
-                <a:spcPct val="100000"/>
-              </a:lnSpc>
-              <a:spcBef>
-                <a:spcPts val="600"/>
-              </a:spcBef>
-              <a:spcAft>
-                <a:spcPct val="0"/>
-              </a:spcAft>
-              <a:buClr>
-                <a:srgbClr val="0070C0"/>
-              </a:buClr>
-              <a:buSzPct val="90000"/>
-              <a:buFont typeface="Arial" pitchFamily="34" charset="0"/>
-              <a:buChar char="•"/>
-              <a:defRPr sz="2800">
-                <a:solidFill>
-                  <a:schemeClr val="tx1"/>
-                </a:solidFill>
-                <a:latin typeface="Segoe UI" pitchFamily="34" charset="0"/>
-                <a:ea typeface="Segoe UI" pitchFamily="34" charset="0"/>
-                <a:cs typeface="Segoe UI" pitchFamily="34" charset="0"/>
-              </a:defRPr>
-            </a:lvl1pPr>
-            <a:lvl2pPr marL="458788" indent="-169863" algn="l" rtl="0" eaLnBrk="1" fontAlgn="base" hangingPunct="1">
-              <a:lnSpc>
-                <a:spcPct val="100000"/>
-              </a:lnSpc>
-              <a:spcBef>
-                <a:spcPts val="600"/>
-              </a:spcBef>
-              <a:spcAft>
-                <a:spcPct val="0"/>
-              </a:spcAft>
-              <a:buClr>
-                <a:srgbClr val="0070C0"/>
-              </a:buClr>
-              <a:buSzPct val="80000"/>
-              <a:buFont typeface="Arial" pitchFamily="34" charset="0"/>
-              <a:buChar char="•"/>
-              <a:defRPr sz="2400">
-                <a:solidFill>
-                  <a:schemeClr val="tx1"/>
-                </a:solidFill>
-                <a:latin typeface="Segoe UI" pitchFamily="34" charset="0"/>
-                <a:ea typeface="Segoe UI" pitchFamily="34" charset="0"/>
-                <a:cs typeface="Segoe UI" pitchFamily="34" charset="0"/>
-              </a:defRPr>
-            </a:lvl2pPr>
-            <a:lvl3pPr marL="854075" indent="-173038" algn="l" rtl="0" eaLnBrk="1" fontAlgn="base" hangingPunct="1">
-              <a:lnSpc>
-                <a:spcPct val="100000"/>
-              </a:lnSpc>
-              <a:spcBef>
-                <a:spcPts val="600"/>
-              </a:spcBef>
-              <a:spcAft>
-                <a:spcPct val="0"/>
-              </a:spcAft>
-              <a:buClr>
-                <a:srgbClr val="0070C0"/>
-              </a:buClr>
-              <a:buSzPct val="80000"/>
-              <a:buFont typeface="Arial" pitchFamily="34" charset="0"/>
-              <a:buChar char="•"/>
-              <a:defRPr sz="2000">
-                <a:solidFill>
-                  <a:schemeClr val="tx1"/>
-                </a:solidFill>
-                <a:latin typeface="Segoe UI" pitchFamily="34" charset="0"/>
-                <a:ea typeface="Segoe UI" pitchFamily="34" charset="0"/>
-                <a:cs typeface="Segoe UI" pitchFamily="34" charset="0"/>
-              </a:defRPr>
-            </a:lvl3pPr>
-            <a:lvl4pPr marL="1254125" indent="-165100" algn="l" rtl="0" eaLnBrk="1" fontAlgn="base" hangingPunct="1">
-              <a:lnSpc>
-                <a:spcPct val="100000"/>
-              </a:lnSpc>
-              <a:spcBef>
-                <a:spcPts val="600"/>
-              </a:spcBef>
-              <a:spcAft>
-                <a:spcPct val="0"/>
-              </a:spcAft>
-              <a:buClr>
-                <a:srgbClr val="0070C0"/>
-              </a:buClr>
-              <a:buSzPct val="90000"/>
-              <a:buFont typeface="Arial" pitchFamily="34" charset="0"/>
-              <a:buChar char="•"/>
-              <a:defRPr sz="1800">
-                <a:solidFill>
-                  <a:schemeClr val="tx1"/>
-                </a:solidFill>
-                <a:latin typeface="Segoe UI" pitchFamily="34" charset="0"/>
-                <a:ea typeface="Segoe UI" pitchFamily="34" charset="0"/>
-                <a:cs typeface="Segoe UI" pitchFamily="34" charset="0"/>
-              </a:defRPr>
-            </a:lvl4pPr>
-            <a:lvl5pPr marL="1544638" indent="-168275" algn="l" rtl="0" eaLnBrk="1" fontAlgn="base" hangingPunct="1">
-              <a:lnSpc>
-                <a:spcPct val="100000"/>
-              </a:lnSpc>
-              <a:spcBef>
-                <a:spcPts val="600"/>
-              </a:spcBef>
-              <a:spcAft>
-                <a:spcPct val="0"/>
-              </a:spcAft>
-              <a:buClr>
-                <a:srgbClr val="0070C0"/>
-              </a:buClr>
-              <a:buSzPct val="90000"/>
-              <a:buFont typeface="Arial" pitchFamily="34" charset="0"/>
-              <a:buChar char="•"/>
-              <a:defRPr sz="1800">
-                <a:solidFill>
-                  <a:schemeClr val="tx1"/>
-                </a:solidFill>
-                <a:latin typeface="Segoe UI" pitchFamily="34" charset="0"/>
-                <a:ea typeface="Segoe UI" pitchFamily="34" charset="0"/>
-                <a:cs typeface="Segoe UI" pitchFamily="34" charset="0"/>
-              </a:defRPr>
-            </a:lvl5pPr>
-            <a:lvl6pPr marL="2001838" indent="-168275" algn="l" rtl="0" eaLnBrk="1" fontAlgn="base" hangingPunct="1">
-              <a:lnSpc>
-                <a:spcPct val="90000"/>
-              </a:lnSpc>
-              <a:spcBef>
-                <a:spcPct val="70000"/>
-              </a:spcBef>
-              <a:spcAft>
-                <a:spcPct val="0"/>
-              </a:spcAft>
-              <a:buClr>
-                <a:srgbClr val="2D4A6D"/>
-              </a:buClr>
-              <a:buSzPct val="90000"/>
-              <a:buChar char="•"/>
-              <a:defRPr sz="1600">
-                <a:solidFill>
-                  <a:schemeClr val="tx1"/>
-                </a:solidFill>
-                <a:latin typeface="+mn-lt"/>
-              </a:defRPr>
-            </a:lvl6pPr>
-            <a:lvl7pPr marL="2459038" indent="-168275" algn="l" rtl="0" eaLnBrk="1" fontAlgn="base" hangingPunct="1">
-              <a:lnSpc>
-                <a:spcPct val="90000"/>
-              </a:lnSpc>
-              <a:spcBef>
-                <a:spcPct val="70000"/>
-              </a:spcBef>
-              <a:spcAft>
-                <a:spcPct val="0"/>
-              </a:spcAft>
-              <a:buClr>
-                <a:srgbClr val="2D4A6D"/>
-              </a:buClr>
-              <a:buSzPct val="90000"/>
-              <a:buChar char="•"/>
-              <a:defRPr sz="1600">
-                <a:solidFill>
-                  <a:schemeClr val="tx1"/>
-                </a:solidFill>
-                <a:latin typeface="+mn-lt"/>
-              </a:defRPr>
-            </a:lvl7pPr>
-            <a:lvl8pPr marL="2916238" indent="-168275" algn="l" rtl="0" eaLnBrk="1" fontAlgn="base" hangingPunct="1">
-              <a:lnSpc>
-                <a:spcPct val="90000"/>
-              </a:lnSpc>
-              <a:spcBef>
-                <a:spcPct val="70000"/>
-              </a:spcBef>
-              <a:spcAft>
-                <a:spcPct val="0"/>
-              </a:spcAft>
-              <a:buClr>
-                <a:srgbClr val="2D4A6D"/>
-              </a:buClr>
-              <a:buSzPct val="90000"/>
-              <a:buChar char="•"/>
-              <a:defRPr sz="1600">
-                <a:solidFill>
-                  <a:schemeClr val="tx1"/>
-                </a:solidFill>
-                <a:latin typeface="+mn-lt"/>
-              </a:defRPr>
-            </a:lvl8pPr>
-            <a:lvl9pPr marL="3373438" indent="-168275" algn="l" rtl="0" eaLnBrk="1" fontAlgn="base" hangingPunct="1">
-              <a:lnSpc>
-                <a:spcPct val="90000"/>
-              </a:lnSpc>
-              <a:spcBef>
-                <a:spcPct val="70000"/>
-              </a:spcBef>
-              <a:spcAft>
-                <a:spcPct val="0"/>
-              </a:spcAft>
-              <a:buClr>
-                <a:srgbClr val="2D4A6D"/>
-              </a:buClr>
-              <a:buSzPct val="90000"/>
-              <a:buChar char="•"/>
-              <a:defRPr sz="1600">
-                <a:solidFill>
-                  <a:schemeClr val="tx1"/>
-                </a:solidFill>
-                <a:latin typeface="+mn-lt"/>
-              </a:defRPr>
-            </a:lvl9pPr>
-          </a:lstStyle>
-          <a:p>
-            <a:pPr lvl="0"/>
-            <a:r>
-              <a:rPr lang="en-US" b="0" kern="0">
-                <a:solidFill>
-                  <a:srgbClr val="000000"/>
-                </a:solidFill>
-              </a:rPr>
-              <a:t>Provide the same service from multiple instances and use a load balancer to distribute requests across all of the instances</a:t>
-            </a:r>
-          </a:p>
-          <a:p>
-            <a:pPr lvl="0"/>
-            <a:r>
-              <a:rPr lang="en-US" b="0" kern="0">
-                <a:solidFill>
-                  <a:srgbClr val="000000"/>
-                </a:solidFill>
-              </a:rPr>
-              <a:t>Considerations for selecting a load balancing strategy:</a:t>
-            </a:r>
-          </a:p>
-          <a:p>
-            <a:pPr lvl="1"/>
-            <a:r>
-              <a:rPr lang="en-US" b="0" kern="0">
-                <a:solidFill>
-                  <a:srgbClr val="000000"/>
-                </a:solidFill>
-              </a:rPr>
-              <a:t>Hardware or software load balancers</a:t>
-            </a:r>
-          </a:p>
-          <a:p>
-            <a:pPr lvl="1"/>
-            <a:r>
-              <a:rPr lang="en-US" b="0" kern="0">
-                <a:solidFill>
-                  <a:srgbClr val="000000"/>
-                </a:solidFill>
-              </a:rPr>
-              <a:t>Load balancing algorithms (round robin)</a:t>
-            </a:r>
-          </a:p>
-          <a:p>
-            <a:pPr lvl="1"/>
-            <a:r>
-              <a:rPr lang="en-US" b="0" kern="0">
-                <a:solidFill>
-                  <a:srgbClr val="000000"/>
-                </a:solidFill>
-              </a:rPr>
-              <a:t>Load balancer stickiness</a:t>
-            </a:r>
-          </a:p>
-          <a:p>
-            <a:pPr lvl="0"/>
-            <a:r>
-              <a:rPr lang="en-US" b="0" kern="0">
-                <a:solidFill>
-                  <a:srgbClr val="000000"/>
-                </a:solidFill>
-              </a:rPr>
-              <a:t>Load balancing becomes critical even if you have a single service instance as it offers the capability to scale seamlessly</a:t>
-            </a:r>
-            <a:endParaRPr lang="en-US" b="0" kern="0" dirty="0">
-              <a:solidFill>
-                <a:srgbClr val="000000"/>
-              </a:solidFill>
-            </a:endParaRPr>
-          </a:p>
-        </p:txBody>
-      </p:sp>
-    </p:spTree>
-    <p:extLst>
-      <p:ext uri="{BB962C8B-B14F-4D97-AF65-F5344CB8AC3E}">
-        <p14:creationId xmlns:p14="http://schemas.microsoft.com/office/powerpoint/2010/main" val="4252825444"/>
-      </p:ext>
-    </p:extLst>
-  </p:cSld>
-  <p:clrMapOvr>
-    <a:masterClrMapping/>
-  </p:clrMapOvr>
-</p:sld>
-</file>
-
-<file path=ppt/slides/slide9.xml><?xml version="1.0" encoding="utf-8"?>
-<p:sld xmlns:a="http://schemas.openxmlformats.org/drawingml/2006/main" xmlns:r="http://schemas.openxmlformats.org/officeDocument/2006/relationships" xmlns:p="http://schemas.openxmlformats.org/presentationml/2006/main">
-  <p:cSld name="fb70bd80-2cd6-48d3-9a7a-a331dc1d3134">
-    <p:spTree>
-      <p:nvGrpSpPr>
-        <p:cNvPr id="1" name=""/>
-        <p:cNvGrpSpPr/>
-        <p:nvPr/>
-      </p:nvGrpSpPr>
-      <p:grpSpPr>
-        <a:xfrm>
-          <a:off x="0" y="0"/>
-          <a:ext cx="0" cy="0"/>
-          <a:chOff x="0" y="0"/>
-          <a:chExt cx="0" cy="0"/>
-        </a:xfrm>
-      </p:grpSpPr>
-      <p:sp>
-        <p:nvSpPr>
-          <p:cNvPr id="2" name="Title 1"/>
-          <p:cNvSpPr>
-            <a:spLocks noGrp="1"/>
-          </p:cNvSpPr>
-          <p:nvPr>
-            <p:ph type="title"/>
-          </p:nvPr>
-        </p:nvSpPr>
-        <p:spPr/>
-        <p:txBody>
-          <a:bodyPr/>
-          <a:lstStyle/>
-          <a:p>
-            <a:r>
-              <a:rPr lang="en-US"/>
-              <a:t>Load Balancing and Geographic Resiliency</a:t>
-            </a:r>
-          </a:p>
-        </p:txBody>
-      </p:sp>
-      <p:sp>
-        <p:nvSpPr>
-          <p:cNvPr id="4" name="Content Placeholder 2"/>
-          <p:cNvSpPr txBox="1">
-            <a:spLocks/>
-          </p:cNvSpPr>
-          <p:nvPr/>
-        </p:nvSpPr>
-        <p:spPr>
-          <a:xfrm>
-            <a:off x="458788" y="1021215"/>
-            <a:ext cx="8119156" cy="5147356"/>
-          </a:xfrm>
-          <a:prstGeom prst="rect">
-            <a:avLst/>
-          </a:prstGeom>
-        </p:spPr>
-        <p:txBody>
-          <a:bodyPr/>
-          <a:lstStyle>
-            <a:lvl1pPr marL="174625" indent="-174625" algn="l" rtl="0" eaLnBrk="1" fontAlgn="base" hangingPunct="1">
-              <a:lnSpc>
-                <a:spcPct val="100000"/>
-              </a:lnSpc>
-              <a:spcBef>
-                <a:spcPts val="600"/>
-              </a:spcBef>
-              <a:spcAft>
-                <a:spcPct val="0"/>
-              </a:spcAft>
-              <a:buClr>
-                <a:srgbClr val="0070C0"/>
-              </a:buClr>
-              <a:buSzPct val="90000"/>
-              <a:buFont typeface="Arial" pitchFamily="34" charset="0"/>
-              <a:buChar char="•"/>
-              <a:defRPr sz="2800">
-                <a:solidFill>
-                  <a:schemeClr val="tx1"/>
-                </a:solidFill>
-                <a:latin typeface="Segoe UI" pitchFamily="34" charset="0"/>
-                <a:ea typeface="Segoe UI" pitchFamily="34" charset="0"/>
-                <a:cs typeface="Segoe UI" pitchFamily="34" charset="0"/>
-              </a:defRPr>
-            </a:lvl1pPr>
-            <a:lvl2pPr marL="458788" indent="-169863" algn="l" rtl="0" eaLnBrk="1" fontAlgn="base" hangingPunct="1">
-              <a:lnSpc>
-                <a:spcPct val="100000"/>
-              </a:lnSpc>
-              <a:spcBef>
-                <a:spcPts val="600"/>
-              </a:spcBef>
-              <a:spcAft>
-                <a:spcPct val="0"/>
-              </a:spcAft>
-              <a:buClr>
-                <a:srgbClr val="0070C0"/>
-              </a:buClr>
-              <a:buSzPct val="80000"/>
-              <a:buFont typeface="Arial" pitchFamily="34" charset="0"/>
-              <a:buChar char="•"/>
-              <a:defRPr sz="2400">
-                <a:solidFill>
-                  <a:schemeClr val="tx1"/>
-                </a:solidFill>
-                <a:latin typeface="Segoe UI" pitchFamily="34" charset="0"/>
-                <a:ea typeface="Segoe UI" pitchFamily="34" charset="0"/>
-                <a:cs typeface="Segoe UI" pitchFamily="34" charset="0"/>
-              </a:defRPr>
-            </a:lvl2pPr>
-            <a:lvl3pPr marL="854075" indent="-173038" algn="l" rtl="0" eaLnBrk="1" fontAlgn="base" hangingPunct="1">
-              <a:lnSpc>
-                <a:spcPct val="100000"/>
-              </a:lnSpc>
-              <a:spcBef>
-                <a:spcPts val="600"/>
-              </a:spcBef>
-              <a:spcAft>
-                <a:spcPct val="0"/>
-              </a:spcAft>
-              <a:buClr>
-                <a:srgbClr val="0070C0"/>
-              </a:buClr>
-              <a:buSzPct val="80000"/>
-              <a:buFont typeface="Arial" pitchFamily="34" charset="0"/>
-              <a:buChar char="•"/>
-              <a:defRPr sz="2000">
-                <a:solidFill>
-                  <a:schemeClr val="tx1"/>
-                </a:solidFill>
-                <a:latin typeface="Segoe UI" pitchFamily="34" charset="0"/>
-                <a:ea typeface="Segoe UI" pitchFamily="34" charset="0"/>
-                <a:cs typeface="Segoe UI" pitchFamily="34" charset="0"/>
-              </a:defRPr>
-            </a:lvl3pPr>
-            <a:lvl4pPr marL="1254125" indent="-165100" algn="l" rtl="0" eaLnBrk="1" fontAlgn="base" hangingPunct="1">
-              <a:lnSpc>
-                <a:spcPct val="100000"/>
-              </a:lnSpc>
-              <a:spcBef>
-                <a:spcPts val="600"/>
-              </a:spcBef>
-              <a:spcAft>
-                <a:spcPct val="0"/>
-              </a:spcAft>
-              <a:buClr>
-                <a:srgbClr val="0070C0"/>
-              </a:buClr>
-              <a:buSzPct val="90000"/>
-              <a:buFont typeface="Arial" pitchFamily="34" charset="0"/>
-              <a:buChar char="•"/>
-              <a:defRPr sz="1800">
-                <a:solidFill>
-                  <a:schemeClr val="tx1"/>
-                </a:solidFill>
-                <a:latin typeface="Segoe UI" pitchFamily="34" charset="0"/>
-                <a:ea typeface="Segoe UI" pitchFamily="34" charset="0"/>
-                <a:cs typeface="Segoe UI" pitchFamily="34" charset="0"/>
-              </a:defRPr>
-            </a:lvl4pPr>
-            <a:lvl5pPr marL="1544638" indent="-168275" algn="l" rtl="0" eaLnBrk="1" fontAlgn="base" hangingPunct="1">
-              <a:lnSpc>
-                <a:spcPct val="100000"/>
-              </a:lnSpc>
-              <a:spcBef>
-                <a:spcPts val="600"/>
-              </a:spcBef>
-              <a:spcAft>
-                <a:spcPct val="0"/>
-              </a:spcAft>
-              <a:buClr>
-                <a:srgbClr val="0070C0"/>
-              </a:buClr>
-              <a:buSzPct val="90000"/>
-              <a:buFont typeface="Arial" pitchFamily="34" charset="0"/>
-              <a:buChar char="•"/>
-              <a:defRPr sz="1800">
-                <a:solidFill>
-                  <a:schemeClr val="tx1"/>
-                </a:solidFill>
-                <a:latin typeface="Segoe UI" pitchFamily="34" charset="0"/>
-                <a:ea typeface="Segoe UI" pitchFamily="34" charset="0"/>
-                <a:cs typeface="Segoe UI" pitchFamily="34" charset="0"/>
-              </a:defRPr>
-            </a:lvl5pPr>
-            <a:lvl6pPr marL="2001838" indent="-168275" algn="l" rtl="0" eaLnBrk="1" fontAlgn="base" hangingPunct="1">
-              <a:lnSpc>
-                <a:spcPct val="90000"/>
-              </a:lnSpc>
-              <a:spcBef>
-                <a:spcPct val="70000"/>
-              </a:spcBef>
-              <a:spcAft>
-                <a:spcPct val="0"/>
-              </a:spcAft>
-              <a:buClr>
-                <a:srgbClr val="2D4A6D"/>
-              </a:buClr>
-              <a:buSzPct val="90000"/>
-              <a:buChar char="•"/>
-              <a:defRPr sz="1600">
-                <a:solidFill>
-                  <a:schemeClr val="tx1"/>
-                </a:solidFill>
-                <a:latin typeface="+mn-lt"/>
-              </a:defRPr>
-            </a:lvl6pPr>
-            <a:lvl7pPr marL="2459038" indent="-168275" algn="l" rtl="0" eaLnBrk="1" fontAlgn="base" hangingPunct="1">
-              <a:lnSpc>
-                <a:spcPct val="90000"/>
-              </a:lnSpc>
-              <a:spcBef>
-                <a:spcPct val="70000"/>
-              </a:spcBef>
-              <a:spcAft>
-                <a:spcPct val="0"/>
-              </a:spcAft>
-              <a:buClr>
-                <a:srgbClr val="2D4A6D"/>
-              </a:buClr>
-              <a:buSzPct val="90000"/>
-              <a:buChar char="•"/>
-              <a:defRPr sz="1600">
-                <a:solidFill>
-                  <a:schemeClr val="tx1"/>
-                </a:solidFill>
-                <a:latin typeface="+mn-lt"/>
-              </a:defRPr>
-            </a:lvl7pPr>
-            <a:lvl8pPr marL="2916238" indent="-168275" algn="l" rtl="0" eaLnBrk="1" fontAlgn="base" hangingPunct="1">
-              <a:lnSpc>
-                <a:spcPct val="90000"/>
-              </a:lnSpc>
-              <a:spcBef>
-                <a:spcPct val="70000"/>
-              </a:spcBef>
-              <a:spcAft>
-                <a:spcPct val="0"/>
-              </a:spcAft>
-              <a:buClr>
-                <a:srgbClr val="2D4A6D"/>
-              </a:buClr>
-              <a:buSzPct val="90000"/>
-              <a:buChar char="•"/>
-              <a:defRPr sz="1600">
-                <a:solidFill>
-                  <a:schemeClr val="tx1"/>
-                </a:solidFill>
-                <a:latin typeface="+mn-lt"/>
-              </a:defRPr>
-            </a:lvl8pPr>
-            <a:lvl9pPr marL="3373438" indent="-168275" algn="l" rtl="0" eaLnBrk="1" fontAlgn="base" hangingPunct="1">
-              <a:lnSpc>
-                <a:spcPct val="90000"/>
-              </a:lnSpc>
-              <a:spcBef>
-                <a:spcPct val="70000"/>
-              </a:spcBef>
-              <a:spcAft>
-                <a:spcPct val="0"/>
-              </a:spcAft>
-              <a:buClr>
-                <a:srgbClr val="2D4A6D"/>
-              </a:buClr>
-              <a:buSzPct val="90000"/>
-              <a:buChar char="•"/>
-              <a:defRPr sz="1600">
-                <a:solidFill>
-                  <a:schemeClr val="tx1"/>
-                </a:solidFill>
-                <a:latin typeface="+mn-lt"/>
-              </a:defRPr>
-            </a:lvl9pPr>
-          </a:lstStyle>
-          <a:p>
-            <a:pPr lvl="0"/>
-            <a:r>
-              <a:rPr lang="en-US" b="0" kern="0">
-                <a:solidFill>
-                  <a:srgbClr val="000000"/>
-                </a:solidFill>
-              </a:rPr>
-              <a:t>Load balancing can be combined with geographic redundancy to help achieve high availability</a:t>
-            </a:r>
-          </a:p>
-          <a:p>
-            <a:pPr lvl="1"/>
-            <a:r>
-              <a:rPr lang="en-US" b="0" kern="0">
-                <a:solidFill>
-                  <a:srgbClr val="000000"/>
-                </a:solidFill>
-              </a:rPr>
-              <a:t>You can use a load balancer to direct client requests to their closest data center</a:t>
-            </a:r>
-          </a:p>
-          <a:p>
-            <a:pPr lvl="2"/>
-            <a:r>
-              <a:rPr lang="en-US" b="0" kern="0">
-                <a:solidFill>
-                  <a:srgbClr val="000000"/>
-                </a:solidFill>
-              </a:rPr>
-              <a:t>Traffic Manager is often used for this task</a:t>
-            </a:r>
-          </a:p>
-          <a:p>
-            <a:pPr lvl="1"/>
-            <a:r>
-              <a:rPr lang="en-US" b="0" kern="0">
-                <a:solidFill>
-                  <a:srgbClr val="000000"/>
-                </a:solidFill>
-              </a:rPr>
-              <a:t>A load balancer can be used to implement a failover scenario</a:t>
-            </a:r>
-          </a:p>
-          <a:p>
-            <a:pPr lvl="2"/>
-            <a:r>
-              <a:rPr lang="en-US" b="0" kern="0">
-                <a:solidFill>
-                  <a:srgbClr val="000000"/>
-                </a:solidFill>
-              </a:rPr>
-              <a:t>When a data center or compute instance is down, clients can be directed to the next desirable instance that is available</a:t>
-            </a:r>
-          </a:p>
-          <a:p>
-            <a:pPr lvl="0"/>
-            <a:r>
-              <a:rPr lang="en-US" b="0" kern="0">
-                <a:solidFill>
-                  <a:srgbClr val="000000"/>
-                </a:solidFill>
-              </a:rPr>
-              <a:t>Designing a load balancing strategy along with distributing your application across data centers is key to high availability across the globe</a:t>
-            </a:r>
-            <a:endParaRPr lang="en-US" b="0" kern="0" dirty="0">
-              <a:solidFill>
-                <a:srgbClr val="000000"/>
-              </a:solidFill>
-            </a:endParaRPr>
-          </a:p>
-        </p:txBody>
-      </p:sp>
-    </p:spTree>
-    <p:extLst>
-      <p:ext uri="{BB962C8B-B14F-4D97-AF65-F5344CB8AC3E}">
-        <p14:creationId xmlns:p14="http://schemas.microsoft.com/office/powerpoint/2010/main" val="3568391077"/>
       </p:ext>
     </p:extLst>
   </p:cSld>

--- a/Powerpoints/20532C-05_Designing Cloud Applications for Resiliency.pptx
+++ b/Powerpoints/20532C-05_Designing Cloud Applications for Resiliency.pptx
@@ -46,28 +46,28 @@
   <p:notesSz cx="6858000" cy="9144000"/>
   <p:embeddedFontLst>
     <p:embeddedFont>
-      <p:font typeface="Calibri" panose="020F0502020204030204" pitchFamily="34" charset="0"/>
+      <p:font typeface="Verdana" panose="020B0604030504040204" pitchFamily="34" charset="0"/>
       <p:regular r:id="rId36"/>
       <p:bold r:id="rId37"/>
       <p:italic r:id="rId38"/>
       <p:boldItalic r:id="rId39"/>
     </p:embeddedFont>
     <p:embeddedFont>
-      <p:font typeface="Consolas" panose="020B0609020204030204" pitchFamily="49" charset="0"/>
+      <p:font typeface="Calibri" panose="020F0502020204030204" pitchFamily="34" charset="0"/>
       <p:regular r:id="rId40"/>
       <p:bold r:id="rId41"/>
       <p:italic r:id="rId42"/>
       <p:boldItalic r:id="rId43"/>
     </p:embeddedFont>
     <p:embeddedFont>
-      <p:font typeface="Segoe UI" panose="020B0502040204020203" pitchFamily="34" charset="0"/>
+      <p:font typeface="Consolas" panose="020B0609020204030204" pitchFamily="49" charset="0"/>
       <p:regular r:id="rId44"/>
       <p:bold r:id="rId45"/>
       <p:italic r:id="rId46"/>
       <p:boldItalic r:id="rId47"/>
     </p:embeddedFont>
     <p:embeddedFont>
-      <p:font typeface="Verdana" panose="020B0604030504040204" pitchFamily="34" charset="0"/>
+      <p:font typeface="Segoe UI" panose="020B0502040204020203" pitchFamily="34" charset="0"/>
       <p:regular r:id="rId48"/>
       <p:bold r:id="rId49"/>
       <p:italic r:id="rId50"/>
@@ -6545,8 +6545,8 @@
         </p:nvSpPr>
         <p:spPr>
           <a:xfrm>
-            <a:off x="4325112" y="73152"/>
-            <a:ext cx="2468880" cy="1851660"/>
+            <a:off x="4325938" y="73025"/>
+            <a:ext cx="2466975" cy="1851025"/>
           </a:xfrm>
         </p:spPr>
       </p:sp>
@@ -6581,7 +6581,7 @@
               </a:spcAft>
             </a:pPr>
             <a:r>
-              <a:rPr lang="en-US" sz="1000">
+              <a:rPr lang="en-US" sz="1000" dirty="0">
                 <a:latin typeface="Arial" panose="020B0604020202020204" pitchFamily="34" charset="0"/>
                 <a:ea typeface="Calibri" panose="020F0502020204030204" pitchFamily="34" charset="0"/>
                 <a:cs typeface="Times New Roman" panose="02020603050405020304" pitchFamily="18" charset="0"/>
@@ -17376,16 +17376,73 @@
             <p:ph type="subTitle" sz="quarter" idx="1"/>
           </p:nvPr>
         </p:nvSpPr>
-        <p:spPr/>
+        <p:spPr>
+          <a:xfrm>
+            <a:off x="3200400" y="2895599"/>
+            <a:ext cx="5775960" cy="1846217"/>
+          </a:xfrm>
+        </p:spPr>
         <p:txBody>
           <a:bodyPr/>
           <a:lstStyle/>
           <a:p>
             <a:r>
-              <a:rPr lang="en-US"/>
-              <a:t>Designing Cloud Applications for Resiliency
+              <a:rPr lang="en-US" dirty="0"/>
+              <a:t>Designing Cloud Applications for Resiliency with Design Patterns</a:t>
+            </a:r>
+          </a:p>
+          <a:p>
+            <a:r>
+              <a:rPr lang="en-US" dirty="0"/>
+              <a:t>
 </a:t>
             </a:r>
+          </a:p>
+        </p:txBody>
+      </p:sp>
+      <p:sp>
+        <p:nvSpPr>
+          <p:cNvPr id="4" name="Rektangel 3">
+            <a:extLst>
+              <a:ext uri="{FF2B5EF4-FFF2-40B4-BE49-F238E27FC236}">
+                <a16:creationId xmlns:a16="http://schemas.microsoft.com/office/drawing/2014/main" id="{D41C9FA0-BF61-4A3A-93AA-2DD3E86BA489}"/>
+              </a:ext>
+            </a:extLst>
+          </p:cNvPr>
+          <p:cNvSpPr/>
+          <p:nvPr/>
+        </p:nvSpPr>
+        <p:spPr>
+          <a:xfrm>
+            <a:off x="189411" y="5003071"/>
+            <a:ext cx="8765177" cy="461665"/>
+          </a:xfrm>
+          <a:prstGeom prst="rect">
+            <a:avLst/>
+          </a:prstGeom>
+        </p:spPr>
+        <p:txBody>
+          <a:bodyPr wrap="square">
+            <a:spAutoFit/>
+          </a:bodyPr>
+          <a:lstStyle/>
+          <a:p>
+            <a:r>
+              <a:rPr lang="en-US" sz="2400" dirty="0">
+                <a:solidFill>
+                  <a:srgbClr val="FFC000"/>
+                </a:solidFill>
+                <a:latin typeface="Arial" panose="020B0604020202020204" pitchFamily="34" charset="0"/>
+                <a:ea typeface="Calibri" panose="020F0502020204030204" pitchFamily="34" charset="0"/>
+                <a:cs typeface="Times New Roman" panose="02020603050405020304" pitchFamily="18" charset="0"/>
+              </a:rPr>
+              <a:t>Best practices for developing large-scale web applications</a:t>
+            </a:r>
+            <a:endParaRPr lang="da-DK" sz="2400" dirty="0">
+              <a:solidFill>
+                <a:srgbClr val="FFC000"/>
+              </a:solidFill>
+            </a:endParaRPr>
           </a:p>
         </p:txBody>
       </p:sp>
@@ -20709,23 +20766,31 @@
           <a:bodyPr/>
           <a:lstStyle/>
           <a:p>
+            <a:pPr marL="0" indent="0">
+              <a:buNone/>
+            </a:pPr>
+            <a:r>
+              <a:rPr lang="da-DK" sz="3600" dirty="0">
+                <a:solidFill>
+                  <a:srgbClr val="00B050"/>
+                </a:solidFill>
+              </a:rPr>
+              <a:t>Architecture-center</a:t>
+            </a:r>
+          </a:p>
+          <a:p>
             <a:endParaRPr lang="da-DK" dirty="0">
               <a:hlinkClick r:id="rId2"/>
             </a:endParaRPr>
           </a:p>
           <a:p>
-            <a:endParaRPr lang="da-DK" dirty="0">
-              <a:hlinkClick r:id="rId2"/>
-            </a:endParaRPr>
-          </a:p>
-          <a:p>
-            <a:r>
-              <a:rPr lang="da-DK" dirty="0">
+            <a:r>
+              <a:rPr lang="da-DK" sz="1600" dirty="0">
                 <a:hlinkClick r:id="rId2"/>
               </a:rPr>
               <a:t>https://github.com/mspnp/architecture-center/blob/master/docs/patterns/index.md</a:t>
             </a:r>
-            <a:endParaRPr lang="da-DK" dirty="0"/>
+            <a:endParaRPr lang="da-DK" sz="1600" dirty="0"/>
           </a:p>
           <a:p>
             <a:endParaRPr lang="da-DK" dirty="0"/>
